--- a/2.VM_Cloud/Virtual Machines.pptx
+++ b/2.VM_Cloud/Virtual Machines.pptx
@@ -7,11 +7,13 @@
   <p:sldIdLst>
     <p:sldId id="256" r:id="rId2"/>
     <p:sldId id="257" r:id="rId3"/>
-    <p:sldId id="258" r:id="rId4"/>
-    <p:sldId id="259" r:id="rId5"/>
-    <p:sldId id="260" r:id="rId6"/>
-    <p:sldId id="262" r:id="rId7"/>
-    <p:sldId id="261" r:id="rId8"/>
+    <p:sldId id="263" r:id="rId4"/>
+    <p:sldId id="258" r:id="rId5"/>
+    <p:sldId id="264" r:id="rId6"/>
+    <p:sldId id="259" r:id="rId7"/>
+    <p:sldId id="260" r:id="rId8"/>
+    <p:sldId id="262" r:id="rId9"/>
+    <p:sldId id="261" r:id="rId10"/>
   </p:sldIdLst>
   <p:sldSz cx="12192000" cy="6858000"/>
   <p:notesSz cx="6858000" cy="9144000"/>
@@ -265,7 +267,7 @@
           <a:p>
             <a:fld id="{7189E0C7-3E3B-4416-85D0-AB73CC349D69}" type="datetimeFigureOut">
               <a:rPr lang="en-US" smtClean="0"/>
-              <a:t>8/3/2021</a:t>
+              <a:t>8/12/2021</a:t>
             </a:fld>
             <a:endParaRPr lang="en-US"/>
           </a:p>
@@ -463,7 +465,7 @@
           <a:p>
             <a:fld id="{7189E0C7-3E3B-4416-85D0-AB73CC349D69}" type="datetimeFigureOut">
               <a:rPr lang="en-US" smtClean="0"/>
-              <a:t>8/3/2021</a:t>
+              <a:t>8/12/2021</a:t>
             </a:fld>
             <a:endParaRPr lang="en-US"/>
           </a:p>
@@ -671,7 +673,7 @@
           <a:p>
             <a:fld id="{7189E0C7-3E3B-4416-85D0-AB73CC349D69}" type="datetimeFigureOut">
               <a:rPr lang="en-US" smtClean="0"/>
-              <a:t>8/3/2021</a:t>
+              <a:t>8/12/2021</a:t>
             </a:fld>
             <a:endParaRPr lang="en-US"/>
           </a:p>
@@ -869,7 +871,7 @@
           <a:p>
             <a:fld id="{7189E0C7-3E3B-4416-85D0-AB73CC349D69}" type="datetimeFigureOut">
               <a:rPr lang="en-US" smtClean="0"/>
-              <a:t>8/3/2021</a:t>
+              <a:t>8/12/2021</a:t>
             </a:fld>
             <a:endParaRPr lang="en-US"/>
           </a:p>
@@ -1144,7 +1146,7 @@
           <a:p>
             <a:fld id="{7189E0C7-3E3B-4416-85D0-AB73CC349D69}" type="datetimeFigureOut">
               <a:rPr lang="en-US" smtClean="0"/>
-              <a:t>8/3/2021</a:t>
+              <a:t>8/12/2021</a:t>
             </a:fld>
             <a:endParaRPr lang="en-US"/>
           </a:p>
@@ -1409,7 +1411,7 @@
           <a:p>
             <a:fld id="{7189E0C7-3E3B-4416-85D0-AB73CC349D69}" type="datetimeFigureOut">
               <a:rPr lang="en-US" smtClean="0"/>
-              <a:t>8/3/2021</a:t>
+              <a:t>8/12/2021</a:t>
             </a:fld>
             <a:endParaRPr lang="en-US"/>
           </a:p>
@@ -1821,7 +1823,7 @@
           <a:p>
             <a:fld id="{7189E0C7-3E3B-4416-85D0-AB73CC349D69}" type="datetimeFigureOut">
               <a:rPr lang="en-US" smtClean="0"/>
-              <a:t>8/3/2021</a:t>
+              <a:t>8/12/2021</a:t>
             </a:fld>
             <a:endParaRPr lang="en-US"/>
           </a:p>
@@ -1962,7 +1964,7 @@
           <a:p>
             <a:fld id="{7189E0C7-3E3B-4416-85D0-AB73CC349D69}" type="datetimeFigureOut">
               <a:rPr lang="en-US" smtClean="0"/>
-              <a:t>8/3/2021</a:t>
+              <a:t>8/12/2021</a:t>
             </a:fld>
             <a:endParaRPr lang="en-US"/>
           </a:p>
@@ -2075,7 +2077,7 @@
           <a:p>
             <a:fld id="{7189E0C7-3E3B-4416-85D0-AB73CC349D69}" type="datetimeFigureOut">
               <a:rPr lang="en-US" smtClean="0"/>
-              <a:t>8/3/2021</a:t>
+              <a:t>8/12/2021</a:t>
             </a:fld>
             <a:endParaRPr lang="en-US"/>
           </a:p>
@@ -2386,7 +2388,7 @@
           <a:p>
             <a:fld id="{7189E0C7-3E3B-4416-85D0-AB73CC349D69}" type="datetimeFigureOut">
               <a:rPr lang="en-US" smtClean="0"/>
-              <a:t>8/3/2021</a:t>
+              <a:t>8/12/2021</a:t>
             </a:fld>
             <a:endParaRPr lang="en-US"/>
           </a:p>
@@ -2674,7 +2676,7 @@
           <a:p>
             <a:fld id="{7189E0C7-3E3B-4416-85D0-AB73CC349D69}" type="datetimeFigureOut">
               <a:rPr lang="en-US" smtClean="0"/>
-              <a:t>8/3/2021</a:t>
+              <a:t>8/12/2021</a:t>
             </a:fld>
             <a:endParaRPr lang="en-US"/>
           </a:p>
@@ -2915,7 +2917,7 @@
           <a:p>
             <a:fld id="{7189E0C7-3E3B-4416-85D0-AB73CC349D69}" type="datetimeFigureOut">
               <a:rPr lang="en-US" smtClean="0"/>
-              <a:t>8/3/2021</a:t>
+              <a:t>8/12/2021</a:t>
             </a:fld>
             <a:endParaRPr lang="en-US"/>
           </a:p>
@@ -3395,7 +3397,7 @@
           <a:p>
             <a:r>
               <a:rPr lang="en-US" dirty="0"/>
-              <a:t>Fall 2020</a:t>
+              <a:t>Fall 2021</a:t>
             </a:r>
           </a:p>
         </p:txBody>
@@ -3553,7 +3555,7 @@
           <p:cNvPr id="2" name="Title 1">
             <a:extLst>
               <a:ext uri="{FF2B5EF4-FFF2-40B4-BE49-F238E27FC236}">
-                <a16:creationId xmlns:a16="http://schemas.microsoft.com/office/drawing/2014/main" id="{D32800D7-F1BF-4E8E-9E44-52F9323F9BF7}"/>
+                <a16:creationId xmlns:a16="http://schemas.microsoft.com/office/drawing/2014/main" id="{3445522F-744B-42FB-A04A-1EE0A3C528A8}"/>
               </a:ext>
             </a:extLst>
           </p:cNvPr>
@@ -3571,87 +3573,1274 @@
           <a:p>
             <a:r>
               <a:rPr lang="en-US" dirty="0"/>
-              <a:t>VM Advantages</a:t>
-            </a:r>
-          </a:p>
-        </p:txBody>
-      </p:sp>
-      <p:sp>
-        <p:nvSpPr>
-          <p:cNvPr id="3" name="Content Placeholder 2">
-            <a:extLst>
-              <a:ext uri="{FF2B5EF4-FFF2-40B4-BE49-F238E27FC236}">
-                <a16:creationId xmlns:a16="http://schemas.microsoft.com/office/drawing/2014/main" id="{93F07F10-2767-4560-8C40-368A3FA8F3DA}"/>
-              </a:ext>
-            </a:extLst>
-          </p:cNvPr>
-          <p:cNvSpPr>
-            <a:spLocks noGrp="1"/>
-          </p:cNvSpPr>
-          <p:nvPr>
-            <p:ph idx="1"/>
-          </p:nvPr>
-        </p:nvSpPr>
-        <p:spPr/>
-        <p:txBody>
-          <a:bodyPr>
-            <a:normAutofit lnSpcReduction="10000"/>
+              <a:t>Before VMs and SANs*—couldn’t share RAM, Disk Space or CPU time</a:t>
+            </a:r>
+          </a:p>
+        </p:txBody>
+      </p:sp>
+      <p:sp>
+        <p:nvSpPr>
+          <p:cNvPr id="4" name="Rectangle 3">
+            <a:extLst>
+              <a:ext uri="{FF2B5EF4-FFF2-40B4-BE49-F238E27FC236}">
+                <a16:creationId xmlns:a16="http://schemas.microsoft.com/office/drawing/2014/main" id="{7CADA9EE-9DD5-43BC-8B75-605E40E54751}"/>
+              </a:ext>
+            </a:extLst>
+          </p:cNvPr>
+          <p:cNvSpPr/>
+          <p:nvPr/>
+        </p:nvSpPr>
+        <p:spPr>
+          <a:xfrm>
+            <a:off x="1330036" y="2410691"/>
+            <a:ext cx="1981200" cy="3006436"/>
+          </a:xfrm>
+          <a:prstGeom prst="rect">
+            <a:avLst/>
+          </a:prstGeom>
+        </p:spPr>
+        <p:style>
+          <a:lnRef idx="2">
+            <a:schemeClr val="accent1">
+              <a:shade val="50000"/>
+            </a:schemeClr>
+          </a:lnRef>
+          <a:fillRef idx="1">
+            <a:schemeClr val="accent1"/>
+          </a:fillRef>
+          <a:effectRef idx="0">
+            <a:schemeClr val="accent1"/>
+          </a:effectRef>
+          <a:fontRef idx="minor">
+            <a:schemeClr val="lt1"/>
+          </a:fontRef>
+        </p:style>
+        <p:txBody>
+          <a:bodyPr rtlCol="0" anchor="ctr"/>
+          <a:lstStyle/>
+          <a:p>
+            <a:pPr algn="ctr"/>
+            <a:endParaRPr lang="en-US"/>
+          </a:p>
+        </p:txBody>
+      </p:sp>
+      <p:sp>
+        <p:nvSpPr>
+          <p:cNvPr id="12" name="Rectangle 11">
+            <a:extLst>
+              <a:ext uri="{FF2B5EF4-FFF2-40B4-BE49-F238E27FC236}">
+                <a16:creationId xmlns:a16="http://schemas.microsoft.com/office/drawing/2014/main" id="{25576DA5-E1D4-4379-A792-8C2CBE6FF839}"/>
+              </a:ext>
+            </a:extLst>
+          </p:cNvPr>
+          <p:cNvSpPr/>
+          <p:nvPr/>
+        </p:nvSpPr>
+        <p:spPr>
+          <a:xfrm>
+            <a:off x="1302326" y="4267199"/>
+            <a:ext cx="2008909" cy="1149927"/>
+          </a:xfrm>
+          <a:prstGeom prst="rect">
+            <a:avLst/>
+          </a:prstGeom>
+          <a:solidFill>
+            <a:schemeClr val="accent2">
+              <a:lumMod val="60000"/>
+              <a:lumOff val="40000"/>
+            </a:schemeClr>
+          </a:solidFill>
+        </p:spPr>
+        <p:style>
+          <a:lnRef idx="2">
+            <a:schemeClr val="accent1">
+              <a:shade val="50000"/>
+            </a:schemeClr>
+          </a:lnRef>
+          <a:fillRef idx="1">
+            <a:schemeClr val="accent1"/>
+          </a:fillRef>
+          <a:effectRef idx="0">
+            <a:schemeClr val="accent1"/>
+          </a:effectRef>
+          <a:fontRef idx="minor">
+            <a:schemeClr val="lt1"/>
+          </a:fontRef>
+        </p:style>
+        <p:txBody>
+          <a:bodyPr rtlCol="0" anchor="ctr"/>
+          <a:lstStyle/>
+          <a:p>
+            <a:pPr algn="ctr"/>
+            <a:r>
+              <a:rPr lang="en-US" dirty="0"/>
+              <a:t>Disk Space</a:t>
+            </a:r>
+          </a:p>
+        </p:txBody>
+      </p:sp>
+      <p:sp>
+        <p:nvSpPr>
+          <p:cNvPr id="13" name="Rectangle 12">
+            <a:extLst>
+              <a:ext uri="{FF2B5EF4-FFF2-40B4-BE49-F238E27FC236}">
+                <a16:creationId xmlns:a16="http://schemas.microsoft.com/office/drawing/2014/main" id="{8580A084-B2C8-4D18-8F5A-2356F7381BAF}"/>
+              </a:ext>
+            </a:extLst>
+          </p:cNvPr>
+          <p:cNvSpPr/>
+          <p:nvPr/>
+        </p:nvSpPr>
+        <p:spPr>
+          <a:xfrm>
+            <a:off x="1302325" y="3796145"/>
+            <a:ext cx="2008909" cy="471053"/>
+          </a:xfrm>
+          <a:prstGeom prst="rect">
+            <a:avLst/>
+          </a:prstGeom>
+          <a:solidFill>
+            <a:schemeClr val="accent2">
+              <a:lumMod val="20000"/>
+              <a:lumOff val="80000"/>
+            </a:schemeClr>
+          </a:solidFill>
+        </p:spPr>
+        <p:style>
+          <a:lnRef idx="2">
+            <a:schemeClr val="accent1">
+              <a:shade val="50000"/>
+            </a:schemeClr>
+          </a:lnRef>
+          <a:fillRef idx="1">
+            <a:schemeClr val="accent1"/>
+          </a:fillRef>
+          <a:effectRef idx="0">
+            <a:schemeClr val="accent1"/>
+          </a:effectRef>
+          <a:fontRef idx="minor">
+            <a:schemeClr val="lt1"/>
+          </a:fontRef>
+        </p:style>
+        <p:txBody>
+          <a:bodyPr rtlCol="0" anchor="ctr"/>
+          <a:lstStyle/>
+          <a:p>
+            <a:pPr algn="ctr"/>
+            <a:r>
+              <a:rPr lang="en-US" dirty="0">
+                <a:solidFill>
+                  <a:schemeClr val="tx1"/>
+                </a:solidFill>
+              </a:rPr>
+              <a:t>Unused Disk</a:t>
+            </a:r>
+          </a:p>
+        </p:txBody>
+      </p:sp>
+      <p:sp>
+        <p:nvSpPr>
+          <p:cNvPr id="14" name="Rectangle 13">
+            <a:extLst>
+              <a:ext uri="{FF2B5EF4-FFF2-40B4-BE49-F238E27FC236}">
+                <a16:creationId xmlns:a16="http://schemas.microsoft.com/office/drawing/2014/main" id="{5C836292-267B-4EBB-AE60-C77200E30C94}"/>
+              </a:ext>
+            </a:extLst>
+          </p:cNvPr>
+          <p:cNvSpPr/>
+          <p:nvPr/>
+        </p:nvSpPr>
+        <p:spPr>
+          <a:xfrm>
+            <a:off x="1330037" y="2410692"/>
+            <a:ext cx="1981198" cy="651164"/>
+          </a:xfrm>
+          <a:prstGeom prst="rect">
+            <a:avLst/>
+          </a:prstGeom>
+          <a:solidFill>
+            <a:schemeClr val="accent5">
+              <a:lumMod val="20000"/>
+              <a:lumOff val="80000"/>
+            </a:schemeClr>
+          </a:solidFill>
+        </p:spPr>
+        <p:style>
+          <a:lnRef idx="2">
+            <a:schemeClr val="accent1">
+              <a:shade val="50000"/>
+            </a:schemeClr>
+          </a:lnRef>
+          <a:fillRef idx="1">
+            <a:schemeClr val="accent1"/>
+          </a:fillRef>
+          <a:effectRef idx="0">
+            <a:schemeClr val="accent1"/>
+          </a:effectRef>
+          <a:fontRef idx="minor">
+            <a:schemeClr val="lt1"/>
+          </a:fontRef>
+        </p:style>
+        <p:txBody>
+          <a:bodyPr rtlCol="0" anchor="ctr"/>
+          <a:lstStyle/>
+          <a:p>
+            <a:pPr algn="ctr"/>
+            <a:r>
+              <a:rPr lang="en-US" dirty="0">
+                <a:solidFill>
+                  <a:schemeClr val="tx1"/>
+                </a:solidFill>
+              </a:rPr>
+              <a:t>Unused RAM</a:t>
+            </a:r>
+          </a:p>
+        </p:txBody>
+      </p:sp>
+      <p:sp>
+        <p:nvSpPr>
+          <p:cNvPr id="15" name="Rectangle 14">
+            <a:extLst>
+              <a:ext uri="{FF2B5EF4-FFF2-40B4-BE49-F238E27FC236}">
+                <a16:creationId xmlns:a16="http://schemas.microsoft.com/office/drawing/2014/main" id="{4E6E35DE-F4B3-4EE4-991B-2C04403E69AF}"/>
+              </a:ext>
+            </a:extLst>
+          </p:cNvPr>
+          <p:cNvSpPr/>
+          <p:nvPr/>
+        </p:nvSpPr>
+        <p:spPr>
+          <a:xfrm>
+            <a:off x="1330035" y="3061855"/>
+            <a:ext cx="1981199" cy="734289"/>
+          </a:xfrm>
+          <a:prstGeom prst="rect">
+            <a:avLst/>
+          </a:prstGeom>
+          <a:solidFill>
+            <a:schemeClr val="accent1">
+              <a:lumMod val="75000"/>
+            </a:schemeClr>
+          </a:solidFill>
+        </p:spPr>
+        <p:style>
+          <a:lnRef idx="2">
+            <a:schemeClr val="accent1">
+              <a:shade val="50000"/>
+            </a:schemeClr>
+          </a:lnRef>
+          <a:fillRef idx="1">
+            <a:schemeClr val="accent1"/>
+          </a:fillRef>
+          <a:effectRef idx="0">
+            <a:schemeClr val="accent1"/>
+          </a:effectRef>
+          <a:fontRef idx="minor">
+            <a:schemeClr val="lt1"/>
+          </a:fontRef>
+        </p:style>
+        <p:txBody>
+          <a:bodyPr rtlCol="0" anchor="ctr"/>
+          <a:lstStyle/>
+          <a:p>
+            <a:pPr algn="ctr"/>
+            <a:r>
+              <a:rPr lang="en-US" dirty="0"/>
+              <a:t>RAM</a:t>
+            </a:r>
+          </a:p>
+        </p:txBody>
+      </p:sp>
+      <p:sp>
+        <p:nvSpPr>
+          <p:cNvPr id="16" name="Rectangle 15">
+            <a:extLst>
+              <a:ext uri="{FF2B5EF4-FFF2-40B4-BE49-F238E27FC236}">
+                <a16:creationId xmlns:a16="http://schemas.microsoft.com/office/drawing/2014/main" id="{1F9507B7-0B84-4A46-BB83-FB9C2870C5BA}"/>
+              </a:ext>
+            </a:extLst>
+          </p:cNvPr>
+          <p:cNvSpPr/>
+          <p:nvPr/>
+        </p:nvSpPr>
+        <p:spPr>
+          <a:xfrm>
+            <a:off x="3782290" y="2410691"/>
+            <a:ext cx="1981200" cy="3006436"/>
+          </a:xfrm>
+          <a:prstGeom prst="rect">
+            <a:avLst/>
+          </a:prstGeom>
+        </p:spPr>
+        <p:style>
+          <a:lnRef idx="2">
+            <a:schemeClr val="accent1">
+              <a:shade val="50000"/>
+            </a:schemeClr>
+          </a:lnRef>
+          <a:fillRef idx="1">
+            <a:schemeClr val="accent1"/>
+          </a:fillRef>
+          <a:effectRef idx="0">
+            <a:schemeClr val="accent1"/>
+          </a:effectRef>
+          <a:fontRef idx="minor">
+            <a:schemeClr val="lt1"/>
+          </a:fontRef>
+        </p:style>
+        <p:txBody>
+          <a:bodyPr rtlCol="0" anchor="ctr"/>
+          <a:lstStyle/>
+          <a:p>
+            <a:pPr algn="ctr"/>
+            <a:endParaRPr lang="en-US"/>
+          </a:p>
+        </p:txBody>
+      </p:sp>
+      <p:sp>
+        <p:nvSpPr>
+          <p:cNvPr id="17" name="Rectangle 16">
+            <a:extLst>
+              <a:ext uri="{FF2B5EF4-FFF2-40B4-BE49-F238E27FC236}">
+                <a16:creationId xmlns:a16="http://schemas.microsoft.com/office/drawing/2014/main" id="{BFF92671-5B33-4823-BDB5-BCBE96B9ECDF}"/>
+              </a:ext>
+            </a:extLst>
+          </p:cNvPr>
+          <p:cNvSpPr/>
+          <p:nvPr/>
+        </p:nvSpPr>
+        <p:spPr>
+          <a:xfrm>
+            <a:off x="3754580" y="4267199"/>
+            <a:ext cx="2008909" cy="1149927"/>
+          </a:xfrm>
+          <a:prstGeom prst="rect">
+            <a:avLst/>
+          </a:prstGeom>
+          <a:solidFill>
+            <a:schemeClr val="accent2">
+              <a:lumMod val="60000"/>
+              <a:lumOff val="40000"/>
+            </a:schemeClr>
+          </a:solidFill>
+        </p:spPr>
+        <p:style>
+          <a:lnRef idx="2">
+            <a:schemeClr val="accent1">
+              <a:shade val="50000"/>
+            </a:schemeClr>
+          </a:lnRef>
+          <a:fillRef idx="1">
+            <a:schemeClr val="accent1"/>
+          </a:fillRef>
+          <a:effectRef idx="0">
+            <a:schemeClr val="accent1"/>
+          </a:effectRef>
+          <a:fontRef idx="minor">
+            <a:schemeClr val="lt1"/>
+          </a:fontRef>
+        </p:style>
+        <p:txBody>
+          <a:bodyPr rtlCol="0" anchor="ctr"/>
+          <a:lstStyle/>
+          <a:p>
+            <a:pPr algn="ctr"/>
+            <a:r>
+              <a:rPr lang="en-US" dirty="0"/>
+              <a:t>Disk Space</a:t>
+            </a:r>
+          </a:p>
+        </p:txBody>
+      </p:sp>
+      <p:sp>
+        <p:nvSpPr>
+          <p:cNvPr id="18" name="Rectangle 17">
+            <a:extLst>
+              <a:ext uri="{FF2B5EF4-FFF2-40B4-BE49-F238E27FC236}">
+                <a16:creationId xmlns:a16="http://schemas.microsoft.com/office/drawing/2014/main" id="{06CF1FF0-4A13-474E-9BB1-C64789DFF196}"/>
+              </a:ext>
+            </a:extLst>
+          </p:cNvPr>
+          <p:cNvSpPr/>
+          <p:nvPr/>
+        </p:nvSpPr>
+        <p:spPr>
+          <a:xfrm>
+            <a:off x="3754579" y="3796145"/>
+            <a:ext cx="2008909" cy="720002"/>
+          </a:xfrm>
+          <a:prstGeom prst="rect">
+            <a:avLst/>
+          </a:prstGeom>
+          <a:solidFill>
+            <a:schemeClr val="accent2">
+              <a:lumMod val="20000"/>
+              <a:lumOff val="80000"/>
+            </a:schemeClr>
+          </a:solidFill>
+        </p:spPr>
+        <p:style>
+          <a:lnRef idx="2">
+            <a:schemeClr val="accent1">
+              <a:shade val="50000"/>
+            </a:schemeClr>
+          </a:lnRef>
+          <a:fillRef idx="1">
+            <a:schemeClr val="accent1"/>
+          </a:fillRef>
+          <a:effectRef idx="0">
+            <a:schemeClr val="accent1"/>
+          </a:effectRef>
+          <a:fontRef idx="minor">
+            <a:schemeClr val="lt1"/>
+          </a:fontRef>
+        </p:style>
+        <p:txBody>
+          <a:bodyPr rtlCol="0" anchor="ctr"/>
+          <a:lstStyle/>
+          <a:p>
+            <a:pPr algn="ctr"/>
+            <a:r>
+              <a:rPr lang="en-US" dirty="0">
+                <a:solidFill>
+                  <a:schemeClr val="tx1"/>
+                </a:solidFill>
+              </a:rPr>
+              <a:t>Unused Disk</a:t>
+            </a:r>
+          </a:p>
+        </p:txBody>
+      </p:sp>
+      <p:sp>
+        <p:nvSpPr>
+          <p:cNvPr id="19" name="Rectangle 18">
+            <a:extLst>
+              <a:ext uri="{FF2B5EF4-FFF2-40B4-BE49-F238E27FC236}">
+                <a16:creationId xmlns:a16="http://schemas.microsoft.com/office/drawing/2014/main" id="{0C3FFC4D-E596-480E-B80F-1A482E770C6C}"/>
+              </a:ext>
+            </a:extLst>
+          </p:cNvPr>
+          <p:cNvSpPr/>
+          <p:nvPr/>
+        </p:nvSpPr>
+        <p:spPr>
+          <a:xfrm>
+            <a:off x="3782291" y="2410691"/>
+            <a:ext cx="1981198" cy="900543"/>
+          </a:xfrm>
+          <a:prstGeom prst="rect">
+            <a:avLst/>
+          </a:prstGeom>
+          <a:solidFill>
+            <a:schemeClr val="accent5">
+              <a:lumMod val="20000"/>
+              <a:lumOff val="80000"/>
+            </a:schemeClr>
+          </a:solidFill>
+        </p:spPr>
+        <p:style>
+          <a:lnRef idx="2">
+            <a:schemeClr val="accent1">
+              <a:shade val="50000"/>
+            </a:schemeClr>
+          </a:lnRef>
+          <a:fillRef idx="1">
+            <a:schemeClr val="accent1"/>
+          </a:fillRef>
+          <a:effectRef idx="0">
+            <a:schemeClr val="accent1"/>
+          </a:effectRef>
+          <a:fontRef idx="minor">
+            <a:schemeClr val="lt1"/>
+          </a:fontRef>
+        </p:style>
+        <p:txBody>
+          <a:bodyPr rtlCol="0" anchor="ctr"/>
+          <a:lstStyle/>
+          <a:p>
+            <a:pPr algn="ctr"/>
+            <a:r>
+              <a:rPr lang="en-US" dirty="0">
+                <a:solidFill>
+                  <a:schemeClr val="tx1"/>
+                </a:solidFill>
+              </a:rPr>
+              <a:t>Unused RAM</a:t>
+            </a:r>
+          </a:p>
+        </p:txBody>
+      </p:sp>
+      <p:sp>
+        <p:nvSpPr>
+          <p:cNvPr id="20" name="Rectangle 19">
+            <a:extLst>
+              <a:ext uri="{FF2B5EF4-FFF2-40B4-BE49-F238E27FC236}">
+                <a16:creationId xmlns:a16="http://schemas.microsoft.com/office/drawing/2014/main" id="{368320C4-499B-42A6-908B-2690102806FE}"/>
+              </a:ext>
+            </a:extLst>
+          </p:cNvPr>
+          <p:cNvSpPr/>
+          <p:nvPr/>
+        </p:nvSpPr>
+        <p:spPr>
+          <a:xfrm>
+            <a:off x="3782289" y="3311236"/>
+            <a:ext cx="1981199" cy="484908"/>
+          </a:xfrm>
+          <a:prstGeom prst="rect">
+            <a:avLst/>
+          </a:prstGeom>
+          <a:solidFill>
+            <a:schemeClr val="accent1">
+              <a:lumMod val="75000"/>
+            </a:schemeClr>
+          </a:solidFill>
+        </p:spPr>
+        <p:style>
+          <a:lnRef idx="2">
+            <a:schemeClr val="accent1">
+              <a:shade val="50000"/>
+            </a:schemeClr>
+          </a:lnRef>
+          <a:fillRef idx="1">
+            <a:schemeClr val="accent1"/>
+          </a:fillRef>
+          <a:effectRef idx="0">
+            <a:schemeClr val="accent1"/>
+          </a:effectRef>
+          <a:fontRef idx="minor">
+            <a:schemeClr val="lt1"/>
+          </a:fontRef>
+        </p:style>
+        <p:txBody>
+          <a:bodyPr rtlCol="0" anchor="ctr"/>
+          <a:lstStyle/>
+          <a:p>
+            <a:pPr algn="ctr"/>
+            <a:r>
+              <a:rPr lang="en-US" dirty="0"/>
+              <a:t>RAM</a:t>
+            </a:r>
+          </a:p>
+        </p:txBody>
+      </p:sp>
+      <p:sp>
+        <p:nvSpPr>
+          <p:cNvPr id="21" name="Rectangle 20">
+            <a:extLst>
+              <a:ext uri="{FF2B5EF4-FFF2-40B4-BE49-F238E27FC236}">
+                <a16:creationId xmlns:a16="http://schemas.microsoft.com/office/drawing/2014/main" id="{DBD60321-F2A5-4CDD-A057-C56AF0AC10CB}"/>
+              </a:ext>
+            </a:extLst>
+          </p:cNvPr>
+          <p:cNvSpPr/>
+          <p:nvPr/>
+        </p:nvSpPr>
+        <p:spPr>
+          <a:xfrm>
+            <a:off x="6262253" y="2410691"/>
+            <a:ext cx="1981200" cy="3006436"/>
+          </a:xfrm>
+          <a:prstGeom prst="rect">
+            <a:avLst/>
+          </a:prstGeom>
+        </p:spPr>
+        <p:style>
+          <a:lnRef idx="2">
+            <a:schemeClr val="accent1">
+              <a:shade val="50000"/>
+            </a:schemeClr>
+          </a:lnRef>
+          <a:fillRef idx="1">
+            <a:schemeClr val="accent1"/>
+          </a:fillRef>
+          <a:effectRef idx="0">
+            <a:schemeClr val="accent1"/>
+          </a:effectRef>
+          <a:fontRef idx="minor">
+            <a:schemeClr val="lt1"/>
+          </a:fontRef>
+        </p:style>
+        <p:txBody>
+          <a:bodyPr rtlCol="0" anchor="ctr"/>
+          <a:lstStyle/>
+          <a:p>
+            <a:pPr algn="ctr"/>
+            <a:endParaRPr lang="en-US"/>
+          </a:p>
+        </p:txBody>
+      </p:sp>
+      <p:sp>
+        <p:nvSpPr>
+          <p:cNvPr id="22" name="Rectangle 21">
+            <a:extLst>
+              <a:ext uri="{FF2B5EF4-FFF2-40B4-BE49-F238E27FC236}">
+                <a16:creationId xmlns:a16="http://schemas.microsoft.com/office/drawing/2014/main" id="{6E0E5B50-4C16-4B27-872B-DFC77351F8B2}"/>
+              </a:ext>
+            </a:extLst>
+          </p:cNvPr>
+          <p:cNvSpPr/>
+          <p:nvPr/>
+        </p:nvSpPr>
+        <p:spPr>
+          <a:xfrm>
+            <a:off x="6234543" y="4765962"/>
+            <a:ext cx="2008909" cy="651164"/>
+          </a:xfrm>
+          <a:prstGeom prst="rect">
+            <a:avLst/>
+          </a:prstGeom>
+          <a:solidFill>
+            <a:schemeClr val="accent2">
+              <a:lumMod val="60000"/>
+              <a:lumOff val="40000"/>
+            </a:schemeClr>
+          </a:solidFill>
+        </p:spPr>
+        <p:style>
+          <a:lnRef idx="2">
+            <a:schemeClr val="accent1">
+              <a:shade val="50000"/>
+            </a:schemeClr>
+          </a:lnRef>
+          <a:fillRef idx="1">
+            <a:schemeClr val="accent1"/>
+          </a:fillRef>
+          <a:effectRef idx="0">
+            <a:schemeClr val="accent1"/>
+          </a:effectRef>
+          <a:fontRef idx="minor">
+            <a:schemeClr val="lt1"/>
+          </a:fontRef>
+        </p:style>
+        <p:txBody>
+          <a:bodyPr rtlCol="0" anchor="ctr"/>
+          <a:lstStyle/>
+          <a:p>
+            <a:pPr algn="ctr"/>
+            <a:r>
+              <a:rPr lang="en-US" dirty="0"/>
+              <a:t>Disk Space</a:t>
+            </a:r>
+          </a:p>
+        </p:txBody>
+      </p:sp>
+      <p:sp>
+        <p:nvSpPr>
+          <p:cNvPr id="23" name="Rectangle 22">
+            <a:extLst>
+              <a:ext uri="{FF2B5EF4-FFF2-40B4-BE49-F238E27FC236}">
+                <a16:creationId xmlns:a16="http://schemas.microsoft.com/office/drawing/2014/main" id="{E81DE0B1-3DA4-436C-954A-05C77957749A}"/>
+              </a:ext>
+            </a:extLst>
+          </p:cNvPr>
+          <p:cNvSpPr/>
+          <p:nvPr/>
+        </p:nvSpPr>
+        <p:spPr>
+          <a:xfrm>
+            <a:off x="6234542" y="3796145"/>
+            <a:ext cx="2008909" cy="969816"/>
+          </a:xfrm>
+          <a:prstGeom prst="rect">
+            <a:avLst/>
+          </a:prstGeom>
+          <a:solidFill>
+            <a:schemeClr val="accent2">
+              <a:lumMod val="20000"/>
+              <a:lumOff val="80000"/>
+            </a:schemeClr>
+          </a:solidFill>
+        </p:spPr>
+        <p:style>
+          <a:lnRef idx="2">
+            <a:schemeClr val="accent1">
+              <a:shade val="50000"/>
+            </a:schemeClr>
+          </a:lnRef>
+          <a:fillRef idx="1">
+            <a:schemeClr val="accent1"/>
+          </a:fillRef>
+          <a:effectRef idx="0">
+            <a:schemeClr val="accent1"/>
+          </a:effectRef>
+          <a:fontRef idx="minor">
+            <a:schemeClr val="lt1"/>
+          </a:fontRef>
+        </p:style>
+        <p:txBody>
+          <a:bodyPr rtlCol="0" anchor="ctr"/>
+          <a:lstStyle/>
+          <a:p>
+            <a:pPr algn="ctr"/>
+            <a:r>
+              <a:rPr lang="en-US" dirty="0">
+                <a:solidFill>
+                  <a:schemeClr val="tx1"/>
+                </a:solidFill>
+              </a:rPr>
+              <a:t>Unused Disk</a:t>
+            </a:r>
+          </a:p>
+        </p:txBody>
+      </p:sp>
+      <p:sp>
+        <p:nvSpPr>
+          <p:cNvPr id="24" name="Rectangle 23">
+            <a:extLst>
+              <a:ext uri="{FF2B5EF4-FFF2-40B4-BE49-F238E27FC236}">
+                <a16:creationId xmlns:a16="http://schemas.microsoft.com/office/drawing/2014/main" id="{426CBF83-7594-4AC6-B8F2-2163F2CBFE0E}"/>
+              </a:ext>
+            </a:extLst>
+          </p:cNvPr>
+          <p:cNvSpPr/>
+          <p:nvPr/>
+        </p:nvSpPr>
+        <p:spPr>
+          <a:xfrm>
+            <a:off x="6262254" y="2410691"/>
+            <a:ext cx="1981198" cy="1018307"/>
+          </a:xfrm>
+          <a:prstGeom prst="rect">
+            <a:avLst/>
+          </a:prstGeom>
+          <a:solidFill>
+            <a:schemeClr val="accent5">
+              <a:lumMod val="20000"/>
+              <a:lumOff val="80000"/>
+            </a:schemeClr>
+          </a:solidFill>
+        </p:spPr>
+        <p:style>
+          <a:lnRef idx="2">
+            <a:schemeClr val="accent1">
+              <a:shade val="50000"/>
+            </a:schemeClr>
+          </a:lnRef>
+          <a:fillRef idx="1">
+            <a:schemeClr val="accent1"/>
+          </a:fillRef>
+          <a:effectRef idx="0">
+            <a:schemeClr val="accent1"/>
+          </a:effectRef>
+          <a:fontRef idx="minor">
+            <a:schemeClr val="lt1"/>
+          </a:fontRef>
+        </p:style>
+        <p:txBody>
+          <a:bodyPr rtlCol="0" anchor="ctr"/>
+          <a:lstStyle/>
+          <a:p>
+            <a:pPr algn="ctr"/>
+            <a:r>
+              <a:rPr lang="en-US" dirty="0">
+                <a:solidFill>
+                  <a:schemeClr val="tx1"/>
+                </a:solidFill>
+              </a:rPr>
+              <a:t>Unused RAM</a:t>
+            </a:r>
+          </a:p>
+        </p:txBody>
+      </p:sp>
+      <p:sp>
+        <p:nvSpPr>
+          <p:cNvPr id="25" name="Rectangle 24">
+            <a:extLst>
+              <a:ext uri="{FF2B5EF4-FFF2-40B4-BE49-F238E27FC236}">
+                <a16:creationId xmlns:a16="http://schemas.microsoft.com/office/drawing/2014/main" id="{F2CE0010-F260-4BAE-BE8F-DFAD1C334CE1}"/>
+              </a:ext>
+            </a:extLst>
+          </p:cNvPr>
+          <p:cNvSpPr/>
+          <p:nvPr/>
+        </p:nvSpPr>
+        <p:spPr>
+          <a:xfrm>
+            <a:off x="6262252" y="3429000"/>
+            <a:ext cx="1981199" cy="367144"/>
+          </a:xfrm>
+          <a:prstGeom prst="rect">
+            <a:avLst/>
+          </a:prstGeom>
+          <a:solidFill>
+            <a:schemeClr val="accent1">
+              <a:lumMod val="75000"/>
+            </a:schemeClr>
+          </a:solidFill>
+        </p:spPr>
+        <p:style>
+          <a:lnRef idx="2">
+            <a:schemeClr val="accent1">
+              <a:shade val="50000"/>
+            </a:schemeClr>
+          </a:lnRef>
+          <a:fillRef idx="1">
+            <a:schemeClr val="accent1"/>
+          </a:fillRef>
+          <a:effectRef idx="0">
+            <a:schemeClr val="accent1"/>
+          </a:effectRef>
+          <a:fontRef idx="minor">
+            <a:schemeClr val="lt1"/>
+          </a:fontRef>
+        </p:style>
+        <p:txBody>
+          <a:bodyPr rtlCol="0" anchor="ctr"/>
+          <a:lstStyle/>
+          <a:p>
+            <a:pPr algn="ctr"/>
+            <a:r>
+              <a:rPr lang="en-US" dirty="0"/>
+              <a:t>RAM</a:t>
+            </a:r>
+          </a:p>
+        </p:txBody>
+      </p:sp>
+      <p:sp>
+        <p:nvSpPr>
+          <p:cNvPr id="26" name="Rectangle 25">
+            <a:extLst>
+              <a:ext uri="{FF2B5EF4-FFF2-40B4-BE49-F238E27FC236}">
+                <a16:creationId xmlns:a16="http://schemas.microsoft.com/office/drawing/2014/main" id="{7CE8E929-DF1D-4218-B90F-40855E29A23B}"/>
+              </a:ext>
+            </a:extLst>
+          </p:cNvPr>
+          <p:cNvSpPr/>
+          <p:nvPr/>
+        </p:nvSpPr>
+        <p:spPr>
+          <a:xfrm>
+            <a:off x="8714504" y="2410691"/>
+            <a:ext cx="1981200" cy="3006436"/>
+          </a:xfrm>
+          <a:prstGeom prst="rect">
+            <a:avLst/>
+          </a:prstGeom>
+        </p:spPr>
+        <p:style>
+          <a:lnRef idx="2">
+            <a:schemeClr val="accent1">
+              <a:shade val="50000"/>
+            </a:schemeClr>
+          </a:lnRef>
+          <a:fillRef idx="1">
+            <a:schemeClr val="accent1"/>
+          </a:fillRef>
+          <a:effectRef idx="0">
+            <a:schemeClr val="accent1"/>
+          </a:effectRef>
+          <a:fontRef idx="minor">
+            <a:schemeClr val="lt1"/>
+          </a:fontRef>
+        </p:style>
+        <p:txBody>
+          <a:bodyPr rtlCol="0" anchor="ctr"/>
+          <a:lstStyle/>
+          <a:p>
+            <a:pPr algn="ctr"/>
+            <a:endParaRPr lang="en-US"/>
+          </a:p>
+        </p:txBody>
+      </p:sp>
+      <p:sp>
+        <p:nvSpPr>
+          <p:cNvPr id="27" name="Rectangle 26">
+            <a:extLst>
+              <a:ext uri="{FF2B5EF4-FFF2-40B4-BE49-F238E27FC236}">
+                <a16:creationId xmlns:a16="http://schemas.microsoft.com/office/drawing/2014/main" id="{B350BAB6-EF3F-48F2-B37A-A3AD75E905D8}"/>
+              </a:ext>
+            </a:extLst>
+          </p:cNvPr>
+          <p:cNvSpPr/>
+          <p:nvPr/>
+        </p:nvSpPr>
+        <p:spPr>
+          <a:xfrm>
+            <a:off x="8686794" y="4072803"/>
+            <a:ext cx="2008909" cy="1344324"/>
+          </a:xfrm>
+          <a:prstGeom prst="rect">
+            <a:avLst/>
+          </a:prstGeom>
+          <a:solidFill>
+            <a:schemeClr val="accent2">
+              <a:lumMod val="60000"/>
+              <a:lumOff val="40000"/>
+            </a:schemeClr>
+          </a:solidFill>
+        </p:spPr>
+        <p:style>
+          <a:lnRef idx="2">
+            <a:schemeClr val="accent1">
+              <a:shade val="50000"/>
+            </a:schemeClr>
+          </a:lnRef>
+          <a:fillRef idx="1">
+            <a:schemeClr val="accent1"/>
+          </a:fillRef>
+          <a:effectRef idx="0">
+            <a:schemeClr val="accent1"/>
+          </a:effectRef>
+          <a:fontRef idx="minor">
+            <a:schemeClr val="lt1"/>
+          </a:fontRef>
+        </p:style>
+        <p:txBody>
+          <a:bodyPr rtlCol="0" anchor="ctr"/>
+          <a:lstStyle/>
+          <a:p>
+            <a:pPr algn="ctr"/>
+            <a:r>
+              <a:rPr lang="en-US" dirty="0"/>
+              <a:t>Disk Space</a:t>
+            </a:r>
+          </a:p>
+        </p:txBody>
+      </p:sp>
+      <p:sp>
+        <p:nvSpPr>
+          <p:cNvPr id="28" name="Rectangle 27">
+            <a:extLst>
+              <a:ext uri="{FF2B5EF4-FFF2-40B4-BE49-F238E27FC236}">
+                <a16:creationId xmlns:a16="http://schemas.microsoft.com/office/drawing/2014/main" id="{32E9E564-74EE-4E73-B8D8-C7F1FA4D1244}"/>
+              </a:ext>
+            </a:extLst>
+          </p:cNvPr>
+          <p:cNvSpPr/>
+          <p:nvPr/>
+        </p:nvSpPr>
+        <p:spPr>
+          <a:xfrm>
+            <a:off x="8686793" y="3796145"/>
+            <a:ext cx="2008909" cy="276657"/>
+          </a:xfrm>
+          <a:prstGeom prst="rect">
+            <a:avLst/>
+          </a:prstGeom>
+          <a:solidFill>
+            <a:schemeClr val="accent2">
+              <a:lumMod val="20000"/>
+              <a:lumOff val="80000"/>
+            </a:schemeClr>
+          </a:solidFill>
+        </p:spPr>
+        <p:style>
+          <a:lnRef idx="2">
+            <a:schemeClr val="accent1">
+              <a:shade val="50000"/>
+            </a:schemeClr>
+          </a:lnRef>
+          <a:fillRef idx="1">
+            <a:schemeClr val="accent1"/>
+          </a:fillRef>
+          <a:effectRef idx="0">
+            <a:schemeClr val="accent1"/>
+          </a:effectRef>
+          <a:fontRef idx="minor">
+            <a:schemeClr val="lt1"/>
+          </a:fontRef>
+        </p:style>
+        <p:txBody>
+          <a:bodyPr rtlCol="0" anchor="ctr"/>
+          <a:lstStyle/>
+          <a:p>
+            <a:pPr algn="ctr"/>
+            <a:r>
+              <a:rPr lang="en-US" dirty="0">
+                <a:solidFill>
+                  <a:schemeClr val="tx1"/>
+                </a:solidFill>
+              </a:rPr>
+              <a:t>Unused Disk</a:t>
+            </a:r>
+          </a:p>
+        </p:txBody>
+      </p:sp>
+      <p:sp>
+        <p:nvSpPr>
+          <p:cNvPr id="29" name="Rectangle 28">
+            <a:extLst>
+              <a:ext uri="{FF2B5EF4-FFF2-40B4-BE49-F238E27FC236}">
+                <a16:creationId xmlns:a16="http://schemas.microsoft.com/office/drawing/2014/main" id="{07D577D4-1AEB-484D-89BF-DA60ADD8A298}"/>
+              </a:ext>
+            </a:extLst>
+          </p:cNvPr>
+          <p:cNvSpPr/>
+          <p:nvPr/>
+        </p:nvSpPr>
+        <p:spPr>
+          <a:xfrm>
+            <a:off x="8714505" y="2410692"/>
+            <a:ext cx="1981198" cy="471053"/>
+          </a:xfrm>
+          <a:prstGeom prst="rect">
+            <a:avLst/>
+          </a:prstGeom>
+          <a:solidFill>
+            <a:schemeClr val="accent5">
+              <a:lumMod val="20000"/>
+              <a:lumOff val="80000"/>
+            </a:schemeClr>
+          </a:solidFill>
+        </p:spPr>
+        <p:style>
+          <a:lnRef idx="2">
+            <a:schemeClr val="accent1">
+              <a:shade val="50000"/>
+            </a:schemeClr>
+          </a:lnRef>
+          <a:fillRef idx="1">
+            <a:schemeClr val="accent1"/>
+          </a:fillRef>
+          <a:effectRef idx="0">
+            <a:schemeClr val="accent1"/>
+          </a:effectRef>
+          <a:fontRef idx="minor">
+            <a:schemeClr val="lt1"/>
+          </a:fontRef>
+        </p:style>
+        <p:txBody>
+          <a:bodyPr rtlCol="0" anchor="ctr"/>
+          <a:lstStyle/>
+          <a:p>
+            <a:pPr algn="ctr"/>
+            <a:r>
+              <a:rPr lang="en-US" dirty="0">
+                <a:solidFill>
+                  <a:schemeClr val="tx1"/>
+                </a:solidFill>
+              </a:rPr>
+              <a:t>Unused RAM</a:t>
+            </a:r>
+          </a:p>
+        </p:txBody>
+      </p:sp>
+      <p:sp>
+        <p:nvSpPr>
+          <p:cNvPr id="30" name="Rectangle 29">
+            <a:extLst>
+              <a:ext uri="{FF2B5EF4-FFF2-40B4-BE49-F238E27FC236}">
+                <a16:creationId xmlns:a16="http://schemas.microsoft.com/office/drawing/2014/main" id="{03D7FD7D-C1AD-4539-A6F6-242478C0C450}"/>
+              </a:ext>
+            </a:extLst>
+          </p:cNvPr>
+          <p:cNvSpPr/>
+          <p:nvPr/>
+        </p:nvSpPr>
+        <p:spPr>
+          <a:xfrm>
+            <a:off x="8714503" y="2881745"/>
+            <a:ext cx="1981199" cy="914399"/>
+          </a:xfrm>
+          <a:prstGeom prst="rect">
+            <a:avLst/>
+          </a:prstGeom>
+          <a:solidFill>
+            <a:schemeClr val="accent1">
+              <a:lumMod val="75000"/>
+            </a:schemeClr>
+          </a:solidFill>
+        </p:spPr>
+        <p:style>
+          <a:lnRef idx="2">
+            <a:schemeClr val="accent1">
+              <a:shade val="50000"/>
+            </a:schemeClr>
+          </a:lnRef>
+          <a:fillRef idx="1">
+            <a:schemeClr val="accent1"/>
+          </a:fillRef>
+          <a:effectRef idx="0">
+            <a:schemeClr val="accent1"/>
+          </a:effectRef>
+          <a:fontRef idx="minor">
+            <a:schemeClr val="lt1"/>
+          </a:fontRef>
+        </p:style>
+        <p:txBody>
+          <a:bodyPr rtlCol="0" anchor="ctr"/>
+          <a:lstStyle/>
+          <a:p>
+            <a:pPr algn="ctr"/>
+            <a:r>
+              <a:rPr lang="en-US" dirty="0"/>
+              <a:t>RAM</a:t>
+            </a:r>
+          </a:p>
+        </p:txBody>
+      </p:sp>
+      <p:sp>
+        <p:nvSpPr>
+          <p:cNvPr id="31" name="TextBox 30">
+            <a:extLst>
+              <a:ext uri="{FF2B5EF4-FFF2-40B4-BE49-F238E27FC236}">
+                <a16:creationId xmlns:a16="http://schemas.microsoft.com/office/drawing/2014/main" id="{684DD35F-6F8A-49E2-A5EF-481212F0C689}"/>
+              </a:ext>
+            </a:extLst>
+          </p:cNvPr>
+          <p:cNvSpPr txBox="1"/>
+          <p:nvPr/>
+        </p:nvSpPr>
+        <p:spPr>
+          <a:xfrm>
+            <a:off x="1330035" y="1868859"/>
+            <a:ext cx="1981198" cy="369332"/>
+          </a:xfrm>
+          <a:prstGeom prst="rect">
+            <a:avLst/>
+          </a:prstGeom>
+          <a:noFill/>
+        </p:spPr>
+        <p:txBody>
+          <a:bodyPr wrap="square" rtlCol="0">
+            <a:spAutoFit/>
           </a:bodyPr>
           <a:lstStyle/>
           <a:p>
             <a:r>
               <a:rPr lang="en-US" dirty="0"/>
-              <a:t>Build “farms” of host servers for VMs</a:t>
-            </a:r>
-          </a:p>
-          <a:p>
-            <a:r>
-              <a:rPr lang="en-US" dirty="0"/>
-              <a:t>If one host fails, move VMs to a new host quickly</a:t>
-            </a:r>
-          </a:p>
-          <a:p>
-            <a:r>
-              <a:rPr lang="en-US" dirty="0"/>
-              <a:t>VMs are just files, so it is easy to store backup copies, snapshots, and clone new VMs</a:t>
-            </a:r>
-          </a:p>
-          <a:p>
-            <a:r>
-              <a:rPr lang="en-US" dirty="0"/>
-              <a:t>If a VM is corrupted, delete it and replace it with a backup copy</a:t>
-            </a:r>
-          </a:p>
-          <a:p>
-            <a:r>
-              <a:rPr lang="en-US" dirty="0"/>
-              <a:t>Time to restore damaged host or VM reduced to minutes</a:t>
-            </a:r>
-          </a:p>
-          <a:p>
-            <a:r>
-              <a:rPr lang="en-US" dirty="0"/>
-              <a:t>Much more efficient use of disk space, CPUs, and RAM</a:t>
-            </a:r>
-          </a:p>
-          <a:p>
-            <a:pPr lvl="1"/>
-            <a:r>
-              <a:rPr lang="en-US" dirty="0"/>
-              <a:t>No more islands of unusable capacity</a:t>
-            </a:r>
-          </a:p>
-          <a:p>
-            <a:r>
-              <a:rPr lang="en-US" dirty="0"/>
-              <a:t>VMs paved the way for Cloud Services</a:t>
-            </a:r>
-          </a:p>
-          <a:p>
-            <a:pPr lvl="1"/>
-            <a:r>
-              <a:rPr lang="en-US" dirty="0"/>
-              <a:t>Cloud provider has huge installations of host servers, all running many VMs</a:t>
+              <a:t>Mail Server</a:t>
+            </a:r>
+          </a:p>
+        </p:txBody>
+      </p:sp>
+      <p:sp>
+        <p:nvSpPr>
+          <p:cNvPr id="32" name="TextBox 31">
+            <a:extLst>
+              <a:ext uri="{FF2B5EF4-FFF2-40B4-BE49-F238E27FC236}">
+                <a16:creationId xmlns:a16="http://schemas.microsoft.com/office/drawing/2014/main" id="{17444A66-76D9-4DF4-89B0-B702936C70DF}"/>
+              </a:ext>
+            </a:extLst>
+          </p:cNvPr>
+          <p:cNvSpPr txBox="1"/>
+          <p:nvPr/>
+        </p:nvSpPr>
+        <p:spPr>
+          <a:xfrm>
+            <a:off x="3782290" y="1868859"/>
+            <a:ext cx="1981198" cy="369332"/>
+          </a:xfrm>
+          <a:prstGeom prst="rect">
+            <a:avLst/>
+          </a:prstGeom>
+          <a:noFill/>
+        </p:spPr>
+        <p:txBody>
+          <a:bodyPr wrap="square" rtlCol="0">
+            <a:spAutoFit/>
+          </a:bodyPr>
+          <a:lstStyle/>
+          <a:p>
+            <a:r>
+              <a:rPr lang="en-US" dirty="0"/>
+              <a:t>Print Server</a:t>
+            </a:r>
+          </a:p>
+        </p:txBody>
+      </p:sp>
+      <p:sp>
+        <p:nvSpPr>
+          <p:cNvPr id="33" name="TextBox 32">
+            <a:extLst>
+              <a:ext uri="{FF2B5EF4-FFF2-40B4-BE49-F238E27FC236}">
+                <a16:creationId xmlns:a16="http://schemas.microsoft.com/office/drawing/2014/main" id="{1A430642-5384-46B7-A5DA-51E4AA3097AB}"/>
+              </a:ext>
+            </a:extLst>
+          </p:cNvPr>
+          <p:cNvSpPr txBox="1"/>
+          <p:nvPr/>
+        </p:nvSpPr>
+        <p:spPr>
+          <a:xfrm>
+            <a:off x="6234542" y="1868859"/>
+            <a:ext cx="1981198" cy="646331"/>
+          </a:xfrm>
+          <a:prstGeom prst="rect">
+            <a:avLst/>
+          </a:prstGeom>
+          <a:noFill/>
+        </p:spPr>
+        <p:txBody>
+          <a:bodyPr wrap="square" rtlCol="0">
+            <a:spAutoFit/>
+          </a:bodyPr>
+          <a:lstStyle/>
+          <a:p>
+            <a:r>
+              <a:rPr lang="en-US" dirty="0"/>
+              <a:t>Directory Controller</a:t>
+            </a:r>
+          </a:p>
+        </p:txBody>
+      </p:sp>
+      <p:sp>
+        <p:nvSpPr>
+          <p:cNvPr id="34" name="TextBox 33">
+            <a:extLst>
+              <a:ext uri="{FF2B5EF4-FFF2-40B4-BE49-F238E27FC236}">
+                <a16:creationId xmlns:a16="http://schemas.microsoft.com/office/drawing/2014/main" id="{35273ED0-37A7-41FC-915A-468A34BB1459}"/>
+              </a:ext>
+            </a:extLst>
+          </p:cNvPr>
+          <p:cNvSpPr txBox="1"/>
+          <p:nvPr/>
+        </p:nvSpPr>
+        <p:spPr>
+          <a:xfrm>
+            <a:off x="8686793" y="1868859"/>
+            <a:ext cx="1981198" cy="369332"/>
+          </a:xfrm>
+          <a:prstGeom prst="rect">
+            <a:avLst/>
+          </a:prstGeom>
+          <a:noFill/>
+        </p:spPr>
+        <p:txBody>
+          <a:bodyPr wrap="square" rtlCol="0">
+            <a:spAutoFit/>
+          </a:bodyPr>
+          <a:lstStyle/>
+          <a:p>
+            <a:r>
+              <a:rPr lang="en-US" dirty="0"/>
+              <a:t>File Server</a:t>
+            </a:r>
+          </a:p>
+        </p:txBody>
+      </p:sp>
+      <p:sp>
+        <p:nvSpPr>
+          <p:cNvPr id="35" name="TextBox 34">
+            <a:extLst>
+              <a:ext uri="{FF2B5EF4-FFF2-40B4-BE49-F238E27FC236}">
+                <a16:creationId xmlns:a16="http://schemas.microsoft.com/office/drawing/2014/main" id="{C493AD71-B26B-4799-B63A-5CFB9F862B85}"/>
+              </a:ext>
+            </a:extLst>
+          </p:cNvPr>
+          <p:cNvSpPr txBox="1"/>
+          <p:nvPr/>
+        </p:nvSpPr>
+        <p:spPr>
+          <a:xfrm>
+            <a:off x="1039091" y="5694218"/>
+            <a:ext cx="8492836" cy="369332"/>
+          </a:xfrm>
+          <a:prstGeom prst="rect">
+            <a:avLst/>
+          </a:prstGeom>
+          <a:noFill/>
+        </p:spPr>
+        <p:txBody>
+          <a:bodyPr wrap="square" rtlCol="0">
+            <a:spAutoFit/>
+          </a:bodyPr>
+          <a:lstStyle/>
+          <a:p>
+            <a:r>
+              <a:rPr lang="en-US" dirty="0"/>
+              <a:t>*SAN is Storage Area Network, allowed sharing disk space</a:t>
             </a:r>
           </a:p>
         </p:txBody>
@@ -3659,7 +4848,7 @@
     </p:spTree>
     <p:extLst>
       <p:ext uri="{BB962C8B-B14F-4D97-AF65-F5344CB8AC3E}">
-        <p14:creationId xmlns:p14="http://schemas.microsoft.com/office/powerpoint/2010/main" val="2426030352"/>
+        <p14:creationId xmlns:p14="http://schemas.microsoft.com/office/powerpoint/2010/main" val="2987566838"/>
       </p:ext>
     </p:extLst>
   </p:cSld>
@@ -3691,7 +4880,7 @@
           <p:cNvPr id="2" name="Title 1">
             <a:extLst>
               <a:ext uri="{FF2B5EF4-FFF2-40B4-BE49-F238E27FC236}">
-                <a16:creationId xmlns:a16="http://schemas.microsoft.com/office/drawing/2014/main" id="{80B3C638-DD89-42ED-83C9-5BB7A8B4717F}"/>
+                <a16:creationId xmlns:a16="http://schemas.microsoft.com/office/drawing/2014/main" id="{D32800D7-F1BF-4E8E-9E44-52F9323F9BF7}"/>
               </a:ext>
             </a:extLst>
           </p:cNvPr>
@@ -3709,7 +4898,7 @@
           <a:p>
             <a:r>
               <a:rPr lang="en-US" dirty="0"/>
-              <a:t>VM Architecture (greatly simplified)</a:t>
+              <a:t>VM Advantages</a:t>
             </a:r>
           </a:p>
         </p:txBody>
@@ -3719,7 +4908,7 @@
           <p:cNvPr id="3" name="Content Placeholder 2">
             <a:extLst>
               <a:ext uri="{FF2B5EF4-FFF2-40B4-BE49-F238E27FC236}">
-                <a16:creationId xmlns:a16="http://schemas.microsoft.com/office/drawing/2014/main" id="{72D12220-699F-4303-9E1A-829A5DF7DC23}"/>
+                <a16:creationId xmlns:a16="http://schemas.microsoft.com/office/drawing/2014/main" id="{93F07F10-2767-4560-8C40-368A3FA8F3DA}"/>
               </a:ext>
             </a:extLst>
           </p:cNvPr>
@@ -3730,12 +4919,7 @@
             <p:ph idx="1"/>
           </p:nvPr>
         </p:nvSpPr>
-        <p:spPr>
-          <a:xfrm>
-            <a:off x="5314656" y="1774357"/>
-            <a:ext cx="6039143" cy="4351338"/>
-          </a:xfrm>
-        </p:spPr>
+        <p:spPr/>
         <p:txBody>
           <a:bodyPr>
             <a:normAutofit lnSpcReduction="10000"/>
@@ -3744,104 +4928,57 @@
           <a:p>
             <a:r>
               <a:rPr lang="en-US" dirty="0"/>
-              <a:t>Infrastructure is the hardware of the host server</a:t>
-            </a:r>
-          </a:p>
-          <a:p>
-            <a:r>
-              <a:rPr lang="en-US" dirty="0"/>
-              <a:t>Hypervisor controls the VMs and their access to resources (disk, CPU, RAM)</a:t>
+              <a:t>Build “farms” of host servers for VMs</a:t>
+            </a:r>
+          </a:p>
+          <a:p>
+            <a:r>
+              <a:rPr lang="en-US" dirty="0"/>
+              <a:t>If one host fails, move VMs to a new host quickly</a:t>
+            </a:r>
+          </a:p>
+          <a:p>
+            <a:r>
+              <a:rPr lang="en-US" dirty="0"/>
+              <a:t>VMs are just files, so it is easy to store backup copies, snapshots, and clone new VMs</a:t>
+            </a:r>
+          </a:p>
+          <a:p>
+            <a:r>
+              <a:rPr lang="en-US" dirty="0"/>
+              <a:t>If a VM is corrupted, delete it and replace it with a backup copy</a:t>
+            </a:r>
+          </a:p>
+          <a:p>
+            <a:r>
+              <a:rPr lang="en-US" dirty="0"/>
+              <a:t>Time to restore damaged host or VM reduced to minutes</a:t>
+            </a:r>
+          </a:p>
+          <a:p>
+            <a:r>
+              <a:rPr lang="en-US" dirty="0"/>
+              <a:t>Much more efficient use of disk space, CPUs, and RAM</a:t>
             </a:r>
           </a:p>
           <a:p>
             <a:pPr lvl="1"/>
             <a:r>
               <a:rPr lang="en-US" dirty="0"/>
-              <a:t>Driver software in the hypervisor makes the Guest OSs think they are connected directly to hardware</a:t>
-            </a:r>
-          </a:p>
-          <a:p>
-            <a:r>
-              <a:rPr lang="en-US" dirty="0"/>
-              <a:t>Each VM (green, orange, red) has its own OS installation</a:t>
+              <a:t>No more islands of unusable capacity</a:t>
+            </a:r>
+          </a:p>
+          <a:p>
+            <a:r>
+              <a:rPr lang="en-US" dirty="0"/>
+              <a:t>VMs paved the way for Cloud Services</a:t>
             </a:r>
           </a:p>
           <a:p>
             <a:pPr lvl="1"/>
             <a:r>
               <a:rPr lang="en-US" dirty="0"/>
-              <a:t>Contact between VMs is blocked, unless the hypervisor specifically allows it</a:t>
-            </a:r>
-          </a:p>
-        </p:txBody>
-      </p:sp>
-      <p:pic>
-        <p:nvPicPr>
-          <p:cNvPr id="4" name="Picture 3">
-            <a:extLst>
-              <a:ext uri="{FF2B5EF4-FFF2-40B4-BE49-F238E27FC236}">
-                <a16:creationId xmlns:a16="http://schemas.microsoft.com/office/drawing/2014/main" id="{389726D1-ECB5-4843-9F6E-206495CE231B}"/>
-              </a:ext>
-            </a:extLst>
-          </p:cNvPr>
-          <p:cNvPicPr>
-            <a:picLocks noChangeAspect="1"/>
-          </p:cNvPicPr>
-          <p:nvPr/>
-        </p:nvPicPr>
-        <p:blipFill>
-          <a:blip r:embed="rId2"/>
-          <a:stretch>
-            <a:fillRect/>
-          </a:stretch>
-        </p:blipFill>
-        <p:spPr>
-          <a:xfrm>
-            <a:off x="838200" y="1690688"/>
-            <a:ext cx="4183966" cy="4485513"/>
-          </a:xfrm>
-          <a:prstGeom prst="rect">
-            <a:avLst/>
-          </a:prstGeom>
-        </p:spPr>
-      </p:pic>
-      <p:sp>
-        <p:nvSpPr>
-          <p:cNvPr id="5" name="TextBox 4">
-            <a:extLst>
-              <a:ext uri="{FF2B5EF4-FFF2-40B4-BE49-F238E27FC236}">
-                <a16:creationId xmlns:a16="http://schemas.microsoft.com/office/drawing/2014/main" id="{AA1C9BB5-398A-4D09-BC4A-9EC04CDC52D1}"/>
-              </a:ext>
-            </a:extLst>
-          </p:cNvPr>
-          <p:cNvSpPr txBox="1"/>
-          <p:nvPr/>
-        </p:nvSpPr>
-        <p:spPr>
-          <a:xfrm>
-            <a:off x="3584916" y="6075204"/>
-            <a:ext cx="5022167" cy="369332"/>
-          </a:xfrm>
-          <a:prstGeom prst="rect">
-            <a:avLst/>
-          </a:prstGeom>
-          <a:noFill/>
-        </p:spPr>
-        <p:txBody>
-          <a:bodyPr wrap="square" rtlCol="0">
-            <a:spAutoFit/>
-          </a:bodyPr>
-          <a:lstStyle/>
-          <a:p>
-            <a:r>
-              <a:rPr lang="en-US" dirty="0">
-                <a:hlinkClick r:id="rId3"/>
-              </a:rPr>
-              <a:t>https://blog.netapp.com/blogs/containers-vs-vms/</a:t>
-            </a:r>
-            <a:r>
-              <a:rPr lang="en-US" dirty="0"/>
-              <a:t> </a:t>
+              <a:t>Cloud provider has huge installations of host servers, all running many VMs</a:t>
             </a:r>
           </a:p>
         </p:txBody>
@@ -3849,7 +4986,7 @@
     </p:spTree>
     <p:extLst>
       <p:ext uri="{BB962C8B-B14F-4D97-AF65-F5344CB8AC3E}">
-        <p14:creationId xmlns:p14="http://schemas.microsoft.com/office/powerpoint/2010/main" val="2992224997"/>
+        <p14:creationId xmlns:p14="http://schemas.microsoft.com/office/powerpoint/2010/main" val="2426030352"/>
       </p:ext>
     </p:extLst>
   </p:cSld>
@@ -3881,7 +5018,7 @@
           <p:cNvPr id="2" name="Title 1">
             <a:extLst>
               <a:ext uri="{FF2B5EF4-FFF2-40B4-BE49-F238E27FC236}">
-                <a16:creationId xmlns:a16="http://schemas.microsoft.com/office/drawing/2014/main" id="{35393819-1893-4D76-937C-F513C4C0FCE2}"/>
+                <a16:creationId xmlns:a16="http://schemas.microsoft.com/office/drawing/2014/main" id="{1BB2B1BE-C150-4298-AB30-0C94B1BE5B89}"/>
               </a:ext>
             </a:extLst>
           </p:cNvPr>
@@ -3899,82 +5036,870 @@
           <a:p>
             <a:r>
               <a:rPr lang="en-US" dirty="0"/>
-              <a:t>VM Advantages for our class</a:t>
-            </a:r>
-          </a:p>
-        </p:txBody>
-      </p:sp>
-      <p:sp>
-        <p:nvSpPr>
-          <p:cNvPr id="3" name="Content Placeholder 2">
-            <a:extLst>
-              <a:ext uri="{FF2B5EF4-FFF2-40B4-BE49-F238E27FC236}">
-                <a16:creationId xmlns:a16="http://schemas.microsoft.com/office/drawing/2014/main" id="{ABD327FA-C492-4D4D-AB36-C234D1D6F4E0}"/>
-              </a:ext>
-            </a:extLst>
-          </p:cNvPr>
-          <p:cNvSpPr>
-            <a:spLocks noGrp="1"/>
-          </p:cNvSpPr>
-          <p:nvPr>
-            <p:ph idx="1"/>
-          </p:nvPr>
-        </p:nvSpPr>
-        <p:spPr/>
-        <p:txBody>
-          <a:bodyPr/>
-          <a:lstStyle/>
-          <a:p>
-            <a:r>
-              <a:rPr lang="en-US" dirty="0"/>
-              <a:t>We can experiment with new OSs by building VMs; delete them when we are done</a:t>
-            </a:r>
-          </a:p>
-          <a:p>
-            <a:r>
-              <a:rPr lang="en-US" dirty="0"/>
-              <a:t>With enough disk, RAM, and CPU, we can build networks of VMs</a:t>
-            </a:r>
-          </a:p>
-          <a:p>
-            <a:pPr lvl="1"/>
-            <a:r>
-              <a:rPr lang="en-US" dirty="0"/>
-              <a:t>Practice with servers and workstations together</a:t>
-            </a:r>
-          </a:p>
-          <a:p>
-            <a:pPr lvl="1"/>
-            <a:r>
-              <a:rPr lang="en-US" dirty="0"/>
-              <a:t>Practice with scanning and attack tools; everything stays within our host computer and does not affect the network</a:t>
-            </a:r>
-          </a:p>
-          <a:p>
-            <a:r>
-              <a:rPr lang="en-US" dirty="0"/>
-              <a:t>Safe environment (mostly) to examine malware</a:t>
-            </a:r>
-          </a:p>
-          <a:p>
-            <a:pPr lvl="1"/>
-            <a:r>
-              <a:rPr lang="en-US" dirty="0"/>
-              <a:t>(mostly, because vulnerabilities (rare) may allow malware to escape from the VM and attack the host or other VMs)</a:t>
-            </a:r>
-          </a:p>
-          <a:p>
-            <a:r>
-              <a:rPr lang="en-US" dirty="0"/>
-              <a:t>Try other people’s VMs, like Cyber Patriot VMs</a:t>
-            </a:r>
+              <a:t>Sharing Resources with VMs and SANs</a:t>
+            </a:r>
+          </a:p>
+        </p:txBody>
+      </p:sp>
+      <p:sp>
+        <p:nvSpPr>
+          <p:cNvPr id="4" name="Rectangle 3">
+            <a:extLst>
+              <a:ext uri="{FF2B5EF4-FFF2-40B4-BE49-F238E27FC236}">
+                <a16:creationId xmlns:a16="http://schemas.microsoft.com/office/drawing/2014/main" id="{FBFA89AD-E3E0-4339-90E3-C1A0A4D19BBC}"/>
+              </a:ext>
+            </a:extLst>
+          </p:cNvPr>
+          <p:cNvSpPr/>
+          <p:nvPr/>
+        </p:nvSpPr>
+        <p:spPr>
+          <a:xfrm>
+            <a:off x="1413164" y="2105891"/>
+            <a:ext cx="1648691" cy="2757054"/>
+          </a:xfrm>
+          <a:prstGeom prst="rect">
+            <a:avLst/>
+          </a:prstGeom>
+        </p:spPr>
+        <p:style>
+          <a:lnRef idx="2">
+            <a:schemeClr val="accent1">
+              <a:shade val="50000"/>
+            </a:schemeClr>
+          </a:lnRef>
+          <a:fillRef idx="1">
+            <a:schemeClr val="accent1"/>
+          </a:fillRef>
+          <a:effectRef idx="0">
+            <a:schemeClr val="accent1"/>
+          </a:effectRef>
+          <a:fontRef idx="minor">
+            <a:schemeClr val="lt1"/>
+          </a:fontRef>
+        </p:style>
+        <p:txBody>
+          <a:bodyPr rtlCol="0" anchor="ctr"/>
+          <a:lstStyle/>
+          <a:p>
+            <a:pPr algn="ctr"/>
+            <a:endParaRPr lang="en-US"/>
+          </a:p>
+        </p:txBody>
+      </p:sp>
+      <p:sp>
+        <p:nvSpPr>
+          <p:cNvPr id="5" name="Rectangle 4">
+            <a:extLst>
+              <a:ext uri="{FF2B5EF4-FFF2-40B4-BE49-F238E27FC236}">
+                <a16:creationId xmlns:a16="http://schemas.microsoft.com/office/drawing/2014/main" id="{E393F64B-2F27-475E-8D25-D653427313B2}"/>
+              </a:ext>
+            </a:extLst>
+          </p:cNvPr>
+          <p:cNvSpPr/>
+          <p:nvPr/>
+        </p:nvSpPr>
+        <p:spPr>
+          <a:xfrm>
+            <a:off x="5320146" y="2105891"/>
+            <a:ext cx="1648691" cy="2757054"/>
+          </a:xfrm>
+          <a:prstGeom prst="rect">
+            <a:avLst/>
+          </a:prstGeom>
+        </p:spPr>
+        <p:style>
+          <a:lnRef idx="2">
+            <a:schemeClr val="accent1">
+              <a:shade val="50000"/>
+            </a:schemeClr>
+          </a:lnRef>
+          <a:fillRef idx="1">
+            <a:schemeClr val="accent1"/>
+          </a:fillRef>
+          <a:effectRef idx="0">
+            <a:schemeClr val="accent1"/>
+          </a:effectRef>
+          <a:fontRef idx="minor">
+            <a:schemeClr val="lt1"/>
+          </a:fontRef>
+        </p:style>
+        <p:txBody>
+          <a:bodyPr rtlCol="0" anchor="ctr"/>
+          <a:lstStyle/>
+          <a:p>
+            <a:pPr algn="ctr"/>
+            <a:endParaRPr lang="en-US"/>
+          </a:p>
+        </p:txBody>
+      </p:sp>
+      <p:sp>
+        <p:nvSpPr>
+          <p:cNvPr id="6" name="Rectangle 5">
+            <a:extLst>
+              <a:ext uri="{FF2B5EF4-FFF2-40B4-BE49-F238E27FC236}">
+                <a16:creationId xmlns:a16="http://schemas.microsoft.com/office/drawing/2014/main" id="{468B3DB5-001B-424C-9D76-025ADA82A3C1}"/>
+              </a:ext>
+            </a:extLst>
+          </p:cNvPr>
+          <p:cNvSpPr/>
+          <p:nvPr/>
+        </p:nvSpPr>
+        <p:spPr>
+          <a:xfrm>
+            <a:off x="3366655" y="2105891"/>
+            <a:ext cx="1648691" cy="2757054"/>
+          </a:xfrm>
+          <a:prstGeom prst="rect">
+            <a:avLst/>
+          </a:prstGeom>
+        </p:spPr>
+        <p:style>
+          <a:lnRef idx="2">
+            <a:schemeClr val="accent1">
+              <a:shade val="50000"/>
+            </a:schemeClr>
+          </a:lnRef>
+          <a:fillRef idx="1">
+            <a:schemeClr val="accent1"/>
+          </a:fillRef>
+          <a:effectRef idx="0">
+            <a:schemeClr val="accent1"/>
+          </a:effectRef>
+          <a:fontRef idx="minor">
+            <a:schemeClr val="lt1"/>
+          </a:fontRef>
+        </p:style>
+        <p:txBody>
+          <a:bodyPr rtlCol="0" anchor="ctr"/>
+          <a:lstStyle/>
+          <a:p>
+            <a:pPr algn="ctr"/>
+            <a:endParaRPr lang="en-US"/>
+          </a:p>
+        </p:txBody>
+      </p:sp>
+      <p:sp>
+        <p:nvSpPr>
+          <p:cNvPr id="7" name="Rectangle 6">
+            <a:extLst>
+              <a:ext uri="{FF2B5EF4-FFF2-40B4-BE49-F238E27FC236}">
+                <a16:creationId xmlns:a16="http://schemas.microsoft.com/office/drawing/2014/main" id="{884CB259-D550-4275-B6F2-AEEFDCCB8987}"/>
+              </a:ext>
+            </a:extLst>
+          </p:cNvPr>
+          <p:cNvSpPr/>
+          <p:nvPr/>
+        </p:nvSpPr>
+        <p:spPr>
+          <a:xfrm>
+            <a:off x="8077201" y="3200400"/>
+            <a:ext cx="2805545" cy="1634836"/>
+          </a:xfrm>
+          <a:prstGeom prst="rect">
+            <a:avLst/>
+          </a:prstGeom>
+        </p:spPr>
+        <p:style>
+          <a:lnRef idx="2">
+            <a:schemeClr val="accent1">
+              <a:shade val="50000"/>
+            </a:schemeClr>
+          </a:lnRef>
+          <a:fillRef idx="1">
+            <a:schemeClr val="accent1"/>
+          </a:fillRef>
+          <a:effectRef idx="0">
+            <a:schemeClr val="accent1"/>
+          </a:effectRef>
+          <a:fontRef idx="minor">
+            <a:schemeClr val="lt1"/>
+          </a:fontRef>
+        </p:style>
+        <p:txBody>
+          <a:bodyPr rtlCol="0" anchor="ctr"/>
+          <a:lstStyle/>
+          <a:p>
+            <a:pPr algn="ctr"/>
+            <a:r>
+              <a:rPr lang="en-US" dirty="0"/>
+              <a:t>Storage Area Network (SAN) shared disk space for all hosts</a:t>
+            </a:r>
+          </a:p>
+        </p:txBody>
+      </p:sp>
+      <p:sp>
+        <p:nvSpPr>
+          <p:cNvPr id="8" name="Rectangle 7">
+            <a:extLst>
+              <a:ext uri="{FF2B5EF4-FFF2-40B4-BE49-F238E27FC236}">
+                <a16:creationId xmlns:a16="http://schemas.microsoft.com/office/drawing/2014/main" id="{51A4F580-8735-4514-9FC8-059CD5181C1A}"/>
+              </a:ext>
+            </a:extLst>
+          </p:cNvPr>
+          <p:cNvSpPr/>
+          <p:nvPr/>
+        </p:nvSpPr>
+        <p:spPr>
+          <a:xfrm>
+            <a:off x="1413164" y="4197927"/>
+            <a:ext cx="1648691" cy="665018"/>
+          </a:xfrm>
+          <a:prstGeom prst="rect">
+            <a:avLst/>
+          </a:prstGeom>
+          <a:solidFill>
+            <a:schemeClr val="accent1">
+              <a:lumMod val="20000"/>
+              <a:lumOff val="80000"/>
+            </a:schemeClr>
+          </a:solidFill>
+        </p:spPr>
+        <p:style>
+          <a:lnRef idx="2">
+            <a:schemeClr val="accent1">
+              <a:shade val="50000"/>
+            </a:schemeClr>
+          </a:lnRef>
+          <a:fillRef idx="1">
+            <a:schemeClr val="accent1"/>
+          </a:fillRef>
+          <a:effectRef idx="0">
+            <a:schemeClr val="accent1"/>
+          </a:effectRef>
+          <a:fontRef idx="minor">
+            <a:schemeClr val="lt1"/>
+          </a:fontRef>
+        </p:style>
+        <p:txBody>
+          <a:bodyPr rtlCol="0" anchor="ctr"/>
+          <a:lstStyle/>
+          <a:p>
+            <a:pPr algn="ctr"/>
+            <a:r>
+              <a:rPr lang="en-US" dirty="0">
+                <a:solidFill>
+                  <a:schemeClr val="tx1"/>
+                </a:solidFill>
+              </a:rPr>
+              <a:t>VM 1</a:t>
+            </a:r>
+          </a:p>
+        </p:txBody>
+      </p:sp>
+      <p:sp>
+        <p:nvSpPr>
+          <p:cNvPr id="9" name="Rectangle 8">
+            <a:extLst>
+              <a:ext uri="{FF2B5EF4-FFF2-40B4-BE49-F238E27FC236}">
+                <a16:creationId xmlns:a16="http://schemas.microsoft.com/office/drawing/2014/main" id="{5DD3420C-9B4D-465A-9C0B-B486C9220549}"/>
+              </a:ext>
+            </a:extLst>
+          </p:cNvPr>
+          <p:cNvSpPr/>
+          <p:nvPr/>
+        </p:nvSpPr>
+        <p:spPr>
+          <a:xfrm>
+            <a:off x="1413164" y="3532909"/>
+            <a:ext cx="1648691" cy="665018"/>
+          </a:xfrm>
+          <a:prstGeom prst="rect">
+            <a:avLst/>
+          </a:prstGeom>
+          <a:solidFill>
+            <a:schemeClr val="accent1">
+              <a:lumMod val="40000"/>
+              <a:lumOff val="60000"/>
+            </a:schemeClr>
+          </a:solidFill>
+        </p:spPr>
+        <p:style>
+          <a:lnRef idx="2">
+            <a:schemeClr val="accent1">
+              <a:shade val="50000"/>
+            </a:schemeClr>
+          </a:lnRef>
+          <a:fillRef idx="1">
+            <a:schemeClr val="accent1"/>
+          </a:fillRef>
+          <a:effectRef idx="0">
+            <a:schemeClr val="accent1"/>
+          </a:effectRef>
+          <a:fontRef idx="minor">
+            <a:schemeClr val="lt1"/>
+          </a:fontRef>
+        </p:style>
+        <p:txBody>
+          <a:bodyPr rtlCol="0" anchor="ctr"/>
+          <a:lstStyle/>
+          <a:p>
+            <a:pPr algn="ctr"/>
+            <a:r>
+              <a:rPr lang="en-US" dirty="0">
+                <a:solidFill>
+                  <a:schemeClr val="tx1"/>
+                </a:solidFill>
+              </a:rPr>
+              <a:t>VM 2</a:t>
+            </a:r>
+          </a:p>
+        </p:txBody>
+      </p:sp>
+      <p:sp>
+        <p:nvSpPr>
+          <p:cNvPr id="10" name="Rectangle 9">
+            <a:extLst>
+              <a:ext uri="{FF2B5EF4-FFF2-40B4-BE49-F238E27FC236}">
+                <a16:creationId xmlns:a16="http://schemas.microsoft.com/office/drawing/2014/main" id="{ECFB3EF4-AC61-439A-A54C-140D600C262F}"/>
+              </a:ext>
+            </a:extLst>
+          </p:cNvPr>
+          <p:cNvSpPr/>
+          <p:nvPr/>
+        </p:nvSpPr>
+        <p:spPr>
+          <a:xfrm>
+            <a:off x="1413163" y="2867891"/>
+            <a:ext cx="1648691" cy="665018"/>
+          </a:xfrm>
+          <a:prstGeom prst="rect">
+            <a:avLst/>
+          </a:prstGeom>
+          <a:solidFill>
+            <a:schemeClr val="accent1">
+              <a:lumMod val="20000"/>
+              <a:lumOff val="80000"/>
+            </a:schemeClr>
+          </a:solidFill>
+        </p:spPr>
+        <p:style>
+          <a:lnRef idx="2">
+            <a:schemeClr val="accent1">
+              <a:shade val="50000"/>
+            </a:schemeClr>
+          </a:lnRef>
+          <a:fillRef idx="1">
+            <a:schemeClr val="accent1"/>
+          </a:fillRef>
+          <a:effectRef idx="0">
+            <a:schemeClr val="accent1"/>
+          </a:effectRef>
+          <a:fontRef idx="minor">
+            <a:schemeClr val="lt1"/>
+          </a:fontRef>
+        </p:style>
+        <p:txBody>
+          <a:bodyPr rtlCol="0" anchor="ctr"/>
+          <a:lstStyle/>
+          <a:p>
+            <a:pPr algn="ctr"/>
+            <a:r>
+              <a:rPr lang="en-US" dirty="0">
+                <a:solidFill>
+                  <a:schemeClr val="tx1"/>
+                </a:solidFill>
+              </a:rPr>
+              <a:t>VM 3</a:t>
+            </a:r>
+          </a:p>
+        </p:txBody>
+      </p:sp>
+      <p:sp>
+        <p:nvSpPr>
+          <p:cNvPr id="12" name="Rectangle 11">
+            <a:extLst>
+              <a:ext uri="{FF2B5EF4-FFF2-40B4-BE49-F238E27FC236}">
+                <a16:creationId xmlns:a16="http://schemas.microsoft.com/office/drawing/2014/main" id="{C08C13F5-6A07-4557-9977-AD5E4CD7AE54}"/>
+              </a:ext>
+            </a:extLst>
+          </p:cNvPr>
+          <p:cNvSpPr/>
+          <p:nvPr/>
+        </p:nvSpPr>
+        <p:spPr>
+          <a:xfrm>
+            <a:off x="1413162" y="2216294"/>
+            <a:ext cx="1648691" cy="665018"/>
+          </a:xfrm>
+          <a:prstGeom prst="rect">
+            <a:avLst/>
+          </a:prstGeom>
+          <a:solidFill>
+            <a:schemeClr val="accent1">
+              <a:lumMod val="40000"/>
+              <a:lumOff val="60000"/>
+            </a:schemeClr>
+          </a:solidFill>
+        </p:spPr>
+        <p:style>
+          <a:lnRef idx="2">
+            <a:schemeClr val="accent1">
+              <a:shade val="50000"/>
+            </a:schemeClr>
+          </a:lnRef>
+          <a:fillRef idx="1">
+            <a:schemeClr val="accent1"/>
+          </a:fillRef>
+          <a:effectRef idx="0">
+            <a:schemeClr val="accent1"/>
+          </a:effectRef>
+          <a:fontRef idx="minor">
+            <a:schemeClr val="lt1"/>
+          </a:fontRef>
+        </p:style>
+        <p:txBody>
+          <a:bodyPr rtlCol="0" anchor="ctr"/>
+          <a:lstStyle/>
+          <a:p>
+            <a:pPr algn="ctr"/>
+            <a:r>
+              <a:rPr lang="en-US" dirty="0">
+                <a:solidFill>
+                  <a:schemeClr val="tx1"/>
+                </a:solidFill>
+              </a:rPr>
+              <a:t>VM 4</a:t>
+            </a:r>
+          </a:p>
+        </p:txBody>
+      </p:sp>
+      <p:sp>
+        <p:nvSpPr>
+          <p:cNvPr id="13" name="Rectangle 12">
+            <a:extLst>
+              <a:ext uri="{FF2B5EF4-FFF2-40B4-BE49-F238E27FC236}">
+                <a16:creationId xmlns:a16="http://schemas.microsoft.com/office/drawing/2014/main" id="{E18D1294-2952-4BAC-88AE-C880A1961231}"/>
+              </a:ext>
+            </a:extLst>
+          </p:cNvPr>
+          <p:cNvSpPr/>
+          <p:nvPr/>
+        </p:nvSpPr>
+        <p:spPr>
+          <a:xfrm>
+            <a:off x="3366655" y="4197927"/>
+            <a:ext cx="1648691" cy="665018"/>
+          </a:xfrm>
+          <a:prstGeom prst="rect">
+            <a:avLst/>
+          </a:prstGeom>
+          <a:solidFill>
+            <a:schemeClr val="accent1">
+              <a:lumMod val="40000"/>
+              <a:lumOff val="60000"/>
+            </a:schemeClr>
+          </a:solidFill>
+        </p:spPr>
+        <p:style>
+          <a:lnRef idx="2">
+            <a:schemeClr val="accent1">
+              <a:shade val="50000"/>
+            </a:schemeClr>
+          </a:lnRef>
+          <a:fillRef idx="1">
+            <a:schemeClr val="accent1"/>
+          </a:fillRef>
+          <a:effectRef idx="0">
+            <a:schemeClr val="accent1"/>
+          </a:effectRef>
+          <a:fontRef idx="minor">
+            <a:schemeClr val="lt1"/>
+          </a:fontRef>
+        </p:style>
+        <p:txBody>
+          <a:bodyPr rtlCol="0" anchor="ctr"/>
+          <a:lstStyle/>
+          <a:p>
+            <a:pPr algn="ctr"/>
+            <a:r>
+              <a:rPr lang="en-US" dirty="0">
+                <a:solidFill>
+                  <a:schemeClr val="tx1"/>
+                </a:solidFill>
+              </a:rPr>
+              <a:t>VM 5</a:t>
+            </a:r>
+          </a:p>
+        </p:txBody>
+      </p:sp>
+      <p:sp>
+        <p:nvSpPr>
+          <p:cNvPr id="14" name="Rectangle 13">
+            <a:extLst>
+              <a:ext uri="{FF2B5EF4-FFF2-40B4-BE49-F238E27FC236}">
+                <a16:creationId xmlns:a16="http://schemas.microsoft.com/office/drawing/2014/main" id="{BB348CDB-0E3C-465C-B556-75A6F37B8659}"/>
+              </a:ext>
+            </a:extLst>
+          </p:cNvPr>
+          <p:cNvSpPr/>
+          <p:nvPr/>
+        </p:nvSpPr>
+        <p:spPr>
+          <a:xfrm>
+            <a:off x="3366655" y="3532909"/>
+            <a:ext cx="1648691" cy="665018"/>
+          </a:xfrm>
+          <a:prstGeom prst="rect">
+            <a:avLst/>
+          </a:prstGeom>
+          <a:solidFill>
+            <a:schemeClr val="accent1">
+              <a:lumMod val="20000"/>
+              <a:lumOff val="80000"/>
+            </a:schemeClr>
+          </a:solidFill>
+        </p:spPr>
+        <p:style>
+          <a:lnRef idx="2">
+            <a:schemeClr val="accent1">
+              <a:shade val="50000"/>
+            </a:schemeClr>
+          </a:lnRef>
+          <a:fillRef idx="1">
+            <a:schemeClr val="accent1"/>
+          </a:fillRef>
+          <a:effectRef idx="0">
+            <a:schemeClr val="accent1"/>
+          </a:effectRef>
+          <a:fontRef idx="minor">
+            <a:schemeClr val="lt1"/>
+          </a:fontRef>
+        </p:style>
+        <p:txBody>
+          <a:bodyPr rtlCol="0" anchor="ctr"/>
+          <a:lstStyle/>
+          <a:p>
+            <a:pPr algn="ctr"/>
+            <a:r>
+              <a:rPr lang="en-US" dirty="0">
+                <a:solidFill>
+                  <a:schemeClr val="tx1"/>
+                </a:solidFill>
+              </a:rPr>
+              <a:t>VM 6</a:t>
+            </a:r>
+          </a:p>
+        </p:txBody>
+      </p:sp>
+      <p:sp>
+        <p:nvSpPr>
+          <p:cNvPr id="15" name="Rectangle 14">
+            <a:extLst>
+              <a:ext uri="{FF2B5EF4-FFF2-40B4-BE49-F238E27FC236}">
+                <a16:creationId xmlns:a16="http://schemas.microsoft.com/office/drawing/2014/main" id="{47C59FF2-3886-4E61-802D-3AD29E2BEF48}"/>
+              </a:ext>
+            </a:extLst>
+          </p:cNvPr>
+          <p:cNvSpPr/>
+          <p:nvPr/>
+        </p:nvSpPr>
+        <p:spPr>
+          <a:xfrm>
+            <a:off x="3366654" y="2895167"/>
+            <a:ext cx="1648691" cy="665018"/>
+          </a:xfrm>
+          <a:prstGeom prst="rect">
+            <a:avLst/>
+          </a:prstGeom>
+          <a:solidFill>
+            <a:schemeClr val="accent1">
+              <a:lumMod val="40000"/>
+              <a:lumOff val="60000"/>
+            </a:schemeClr>
+          </a:solidFill>
+        </p:spPr>
+        <p:style>
+          <a:lnRef idx="2">
+            <a:schemeClr val="accent1">
+              <a:shade val="50000"/>
+            </a:schemeClr>
+          </a:lnRef>
+          <a:fillRef idx="1">
+            <a:schemeClr val="accent1"/>
+          </a:fillRef>
+          <a:effectRef idx="0">
+            <a:schemeClr val="accent1"/>
+          </a:effectRef>
+          <a:fontRef idx="minor">
+            <a:schemeClr val="lt1"/>
+          </a:fontRef>
+        </p:style>
+        <p:txBody>
+          <a:bodyPr rtlCol="0" anchor="ctr"/>
+          <a:lstStyle/>
+          <a:p>
+            <a:pPr algn="ctr"/>
+            <a:r>
+              <a:rPr lang="en-US" dirty="0">
+                <a:solidFill>
+                  <a:schemeClr val="tx1"/>
+                </a:solidFill>
+              </a:rPr>
+              <a:t>VM 7</a:t>
+            </a:r>
+          </a:p>
+        </p:txBody>
+      </p:sp>
+      <p:sp>
+        <p:nvSpPr>
+          <p:cNvPr id="16" name="TextBox 15">
+            <a:extLst>
+              <a:ext uri="{FF2B5EF4-FFF2-40B4-BE49-F238E27FC236}">
+                <a16:creationId xmlns:a16="http://schemas.microsoft.com/office/drawing/2014/main" id="{F2AC10FE-7B3F-45D6-8C12-7BD56EE7841C}"/>
+              </a:ext>
+            </a:extLst>
+          </p:cNvPr>
+          <p:cNvSpPr txBox="1"/>
+          <p:nvPr/>
+        </p:nvSpPr>
+        <p:spPr>
+          <a:xfrm>
+            <a:off x="1551709" y="1801091"/>
+            <a:ext cx="1288473" cy="369332"/>
+          </a:xfrm>
+          <a:prstGeom prst="rect">
+            <a:avLst/>
+          </a:prstGeom>
+          <a:noFill/>
+        </p:spPr>
+        <p:txBody>
+          <a:bodyPr wrap="square" rtlCol="0">
+            <a:spAutoFit/>
+          </a:bodyPr>
+          <a:lstStyle/>
+          <a:p>
+            <a:r>
+              <a:rPr lang="en-US" dirty="0"/>
+              <a:t>Host 1</a:t>
+            </a:r>
+          </a:p>
+        </p:txBody>
+      </p:sp>
+      <p:sp>
+        <p:nvSpPr>
+          <p:cNvPr id="17" name="TextBox 16">
+            <a:extLst>
+              <a:ext uri="{FF2B5EF4-FFF2-40B4-BE49-F238E27FC236}">
+                <a16:creationId xmlns:a16="http://schemas.microsoft.com/office/drawing/2014/main" id="{83F8B288-8AFE-45DF-AA5B-03FC9A2B21FF}"/>
+              </a:ext>
+            </a:extLst>
+          </p:cNvPr>
+          <p:cNvSpPr txBox="1"/>
+          <p:nvPr/>
+        </p:nvSpPr>
+        <p:spPr>
+          <a:xfrm>
+            <a:off x="3657600" y="1768825"/>
+            <a:ext cx="1288473" cy="369332"/>
+          </a:xfrm>
+          <a:prstGeom prst="rect">
+            <a:avLst/>
+          </a:prstGeom>
+          <a:noFill/>
+        </p:spPr>
+        <p:txBody>
+          <a:bodyPr wrap="square" rtlCol="0">
+            <a:spAutoFit/>
+          </a:bodyPr>
+          <a:lstStyle/>
+          <a:p>
+            <a:r>
+              <a:rPr lang="en-US" dirty="0"/>
+              <a:t>Host 2</a:t>
+            </a:r>
+          </a:p>
+        </p:txBody>
+      </p:sp>
+      <p:sp>
+        <p:nvSpPr>
+          <p:cNvPr id="18" name="TextBox 17">
+            <a:extLst>
+              <a:ext uri="{FF2B5EF4-FFF2-40B4-BE49-F238E27FC236}">
+                <a16:creationId xmlns:a16="http://schemas.microsoft.com/office/drawing/2014/main" id="{12C33F74-2AFE-403C-B577-84A7FA1078DB}"/>
+              </a:ext>
+            </a:extLst>
+          </p:cNvPr>
+          <p:cNvSpPr txBox="1"/>
+          <p:nvPr/>
+        </p:nvSpPr>
+        <p:spPr>
+          <a:xfrm>
+            <a:off x="5500254" y="1736559"/>
+            <a:ext cx="1288473" cy="369332"/>
+          </a:xfrm>
+          <a:prstGeom prst="rect">
+            <a:avLst/>
+          </a:prstGeom>
+          <a:noFill/>
+        </p:spPr>
+        <p:txBody>
+          <a:bodyPr wrap="square" rtlCol="0">
+            <a:spAutoFit/>
+          </a:bodyPr>
+          <a:lstStyle/>
+          <a:p>
+            <a:r>
+              <a:rPr lang="en-US" dirty="0"/>
+              <a:t>Host 3</a:t>
+            </a:r>
+          </a:p>
+        </p:txBody>
+      </p:sp>
+      <p:sp>
+        <p:nvSpPr>
+          <p:cNvPr id="21" name="Arrow: Curved Up 20">
+            <a:extLst>
+              <a:ext uri="{FF2B5EF4-FFF2-40B4-BE49-F238E27FC236}">
+                <a16:creationId xmlns:a16="http://schemas.microsoft.com/office/drawing/2014/main" id="{547ABA79-BCEE-4F50-9DCC-B1AF5A626FEF}"/>
+              </a:ext>
+            </a:extLst>
+          </p:cNvPr>
+          <p:cNvSpPr/>
+          <p:nvPr/>
+        </p:nvSpPr>
+        <p:spPr>
+          <a:xfrm>
+            <a:off x="5694218" y="4959927"/>
+            <a:ext cx="3435927" cy="457200"/>
+          </a:xfrm>
+          <a:prstGeom prst="curvedUpArrow">
+            <a:avLst/>
+          </a:prstGeom>
+        </p:spPr>
+        <p:style>
+          <a:lnRef idx="2">
+            <a:schemeClr val="accent1">
+              <a:shade val="50000"/>
+            </a:schemeClr>
+          </a:lnRef>
+          <a:fillRef idx="1">
+            <a:schemeClr val="accent1"/>
+          </a:fillRef>
+          <a:effectRef idx="0">
+            <a:schemeClr val="accent1"/>
+          </a:effectRef>
+          <a:fontRef idx="minor">
+            <a:schemeClr val="lt1"/>
+          </a:fontRef>
+        </p:style>
+        <p:txBody>
+          <a:bodyPr rtlCol="0" anchor="ctr"/>
+          <a:lstStyle/>
+          <a:p>
+            <a:pPr algn="ctr"/>
+            <a:endParaRPr lang="en-US">
+              <a:solidFill>
+                <a:schemeClr val="tx1"/>
+              </a:solidFill>
+            </a:endParaRPr>
+          </a:p>
+        </p:txBody>
+      </p:sp>
+      <p:sp>
+        <p:nvSpPr>
+          <p:cNvPr id="22" name="Arrow: Curved Up 21">
+            <a:extLst>
+              <a:ext uri="{FF2B5EF4-FFF2-40B4-BE49-F238E27FC236}">
+                <a16:creationId xmlns:a16="http://schemas.microsoft.com/office/drawing/2014/main" id="{9A34A4AA-18BD-45DD-93B3-B638FFDC53C2}"/>
+              </a:ext>
+            </a:extLst>
+          </p:cNvPr>
+          <p:cNvSpPr/>
+          <p:nvPr/>
+        </p:nvSpPr>
+        <p:spPr>
+          <a:xfrm>
+            <a:off x="4073236" y="4959927"/>
+            <a:ext cx="5486400" cy="692294"/>
+          </a:xfrm>
+          <a:prstGeom prst="curvedUpArrow">
+            <a:avLst/>
+          </a:prstGeom>
+        </p:spPr>
+        <p:style>
+          <a:lnRef idx="2">
+            <a:schemeClr val="accent1">
+              <a:shade val="50000"/>
+            </a:schemeClr>
+          </a:lnRef>
+          <a:fillRef idx="1">
+            <a:schemeClr val="accent1"/>
+          </a:fillRef>
+          <a:effectRef idx="0">
+            <a:schemeClr val="accent1"/>
+          </a:effectRef>
+          <a:fontRef idx="minor">
+            <a:schemeClr val="lt1"/>
+          </a:fontRef>
+        </p:style>
+        <p:txBody>
+          <a:bodyPr rtlCol="0" anchor="ctr"/>
+          <a:lstStyle/>
+          <a:p>
+            <a:pPr algn="ctr"/>
+            <a:endParaRPr lang="en-US">
+              <a:solidFill>
+                <a:schemeClr val="tx1"/>
+              </a:solidFill>
+            </a:endParaRPr>
+          </a:p>
+        </p:txBody>
+      </p:sp>
+      <p:sp>
+        <p:nvSpPr>
+          <p:cNvPr id="23" name="Arrow: Curved Up 22">
+            <a:extLst>
+              <a:ext uri="{FF2B5EF4-FFF2-40B4-BE49-F238E27FC236}">
+                <a16:creationId xmlns:a16="http://schemas.microsoft.com/office/drawing/2014/main" id="{0A21C41F-97FA-4307-92BC-B5148DFC9855}"/>
+              </a:ext>
+            </a:extLst>
+          </p:cNvPr>
+          <p:cNvSpPr/>
+          <p:nvPr/>
+        </p:nvSpPr>
+        <p:spPr>
+          <a:xfrm>
+            <a:off x="2161309" y="4932218"/>
+            <a:ext cx="7869382" cy="914400"/>
+          </a:xfrm>
+          <a:prstGeom prst="curvedUpArrow">
+            <a:avLst/>
+          </a:prstGeom>
+        </p:spPr>
+        <p:style>
+          <a:lnRef idx="2">
+            <a:schemeClr val="accent1">
+              <a:shade val="50000"/>
+            </a:schemeClr>
+          </a:lnRef>
+          <a:fillRef idx="1">
+            <a:schemeClr val="accent1"/>
+          </a:fillRef>
+          <a:effectRef idx="0">
+            <a:schemeClr val="accent1"/>
+          </a:effectRef>
+          <a:fontRef idx="minor">
+            <a:schemeClr val="lt1"/>
+          </a:fontRef>
+        </p:style>
+        <p:txBody>
+          <a:bodyPr rtlCol="0" anchor="ctr"/>
+          <a:lstStyle/>
+          <a:p>
+            <a:pPr algn="ctr"/>
+            <a:endParaRPr lang="en-US">
+              <a:solidFill>
+                <a:schemeClr val="tx1"/>
+              </a:solidFill>
+            </a:endParaRPr>
           </a:p>
         </p:txBody>
       </p:sp>
     </p:spTree>
     <p:extLst>
       <p:ext uri="{BB962C8B-B14F-4D97-AF65-F5344CB8AC3E}">
-        <p14:creationId xmlns:p14="http://schemas.microsoft.com/office/powerpoint/2010/main" val="4109264052"/>
+        <p14:creationId xmlns:p14="http://schemas.microsoft.com/office/powerpoint/2010/main" val="1107086206"/>
       </p:ext>
     </p:extLst>
   </p:cSld>
@@ -4006,7 +5931,7 @@
           <p:cNvPr id="2" name="Title 1">
             <a:extLst>
               <a:ext uri="{FF2B5EF4-FFF2-40B4-BE49-F238E27FC236}">
-                <a16:creationId xmlns:a16="http://schemas.microsoft.com/office/drawing/2014/main" id="{48085CDA-F1B8-499F-8DED-52F4CB6D92F1}"/>
+                <a16:creationId xmlns:a16="http://schemas.microsoft.com/office/drawing/2014/main" id="{80B3C638-DD89-42ED-83C9-5BB7A8B4717F}"/>
               </a:ext>
             </a:extLst>
           </p:cNvPr>
@@ -4024,7 +5949,7 @@
           <a:p>
             <a:r>
               <a:rPr lang="en-US" dirty="0"/>
-              <a:t>Major VM Hypervisors</a:t>
+              <a:t>VM Architecture (greatly simplified)</a:t>
             </a:r>
           </a:p>
         </p:txBody>
@@ -4034,7 +5959,7 @@
           <p:cNvPr id="3" name="Content Placeholder 2">
             <a:extLst>
               <a:ext uri="{FF2B5EF4-FFF2-40B4-BE49-F238E27FC236}">
-                <a16:creationId xmlns:a16="http://schemas.microsoft.com/office/drawing/2014/main" id="{FCFB6932-8558-4C65-8016-AEDBA9D5E84B}"/>
+                <a16:creationId xmlns:a16="http://schemas.microsoft.com/office/drawing/2014/main" id="{72D12220-699F-4303-9E1A-829A5DF7DC23}"/>
               </a:ext>
             </a:extLst>
           </p:cNvPr>
@@ -4045,125 +5970,126 @@
             <p:ph idx="1"/>
           </p:nvPr>
         </p:nvSpPr>
-        <p:spPr/>
-        <p:txBody>
-          <a:bodyPr/>
-          <a:lstStyle/>
-          <a:p>
-            <a:r>
-              <a:rPr lang="en-US" dirty="0"/>
-              <a:t>VMware </a:t>
-            </a:r>
-            <a:r>
-              <a:rPr lang="en-US" sz="2000" dirty="0">
-                <a:hlinkClick r:id="rId2"/>
-              </a:rPr>
-              <a:t>https://www.vmware.com/</a:t>
-            </a:r>
-            <a:r>
-              <a:rPr lang="en-US" sz="2000" dirty="0"/>
-              <a:t>  </a:t>
-            </a:r>
-            <a:endParaRPr lang="en-US" dirty="0"/>
+        <p:spPr>
+          <a:xfrm>
+            <a:off x="5314656" y="1774357"/>
+            <a:ext cx="6039143" cy="4351338"/>
+          </a:xfrm>
+        </p:spPr>
+        <p:txBody>
+          <a:bodyPr>
+            <a:normAutofit lnSpcReduction="10000"/>
+          </a:bodyPr>
+          <a:lstStyle/>
+          <a:p>
+            <a:r>
+              <a:rPr lang="en-US" dirty="0"/>
+              <a:t>Infrastructure is the hardware of the host server</a:t>
+            </a:r>
+          </a:p>
+          <a:p>
+            <a:r>
+              <a:rPr lang="en-US" dirty="0"/>
+              <a:t>Hypervisor controls the VMs and their access to resources (disk, CPU, RAM)</a:t>
+            </a:r>
           </a:p>
           <a:p>
             <a:pPr lvl="1"/>
             <a:r>
               <a:rPr lang="en-US" dirty="0"/>
-              <a:t>Workstation, Workstation Player, and Fusion (Mac) for our use</a:t>
+              <a:t>Driver software in the hypervisor makes the Guest OSs think they are connected directly to hardware</a:t>
+            </a:r>
+          </a:p>
+          <a:p>
+            <a:r>
+              <a:rPr lang="en-US" dirty="0"/>
+              <a:t>Each VM (green, orange, red) has its own OS installation</a:t>
             </a:r>
           </a:p>
           <a:p>
             <a:pPr lvl="1"/>
             <a:r>
-              <a:rPr lang="en-US" dirty="0" err="1"/>
-              <a:t>ESXi</a:t>
-            </a:r>
-            <a:r>
-              <a:rPr lang="en-US" dirty="0"/>
-              <a:t> and vSphere for server establishments</a:t>
-            </a:r>
-          </a:p>
-          <a:p>
-            <a:pPr lvl="1"/>
-            <a:r>
-              <a:rPr lang="en-US" dirty="0"/>
-              <a:t>CyberPatriots uses VMware</a:t>
-            </a:r>
-          </a:p>
-          <a:p>
-            <a:r>
-              <a:rPr lang="en-US" dirty="0"/>
-              <a:t>Oracle VirtualBox </a:t>
-            </a:r>
-            <a:r>
-              <a:rPr lang="en-US" sz="2000" dirty="0">
+              <a:rPr lang="en-US" dirty="0"/>
+              <a:t>Contact between VMs is blocked, unless the hypervisor specifically allows it</a:t>
+            </a:r>
+          </a:p>
+        </p:txBody>
+      </p:sp>
+      <p:pic>
+        <p:nvPicPr>
+          <p:cNvPr id="4" name="Picture 3">
+            <a:extLst>
+              <a:ext uri="{FF2B5EF4-FFF2-40B4-BE49-F238E27FC236}">
+                <a16:creationId xmlns:a16="http://schemas.microsoft.com/office/drawing/2014/main" id="{389726D1-ECB5-4843-9F6E-206495CE231B}"/>
+              </a:ext>
+            </a:extLst>
+          </p:cNvPr>
+          <p:cNvPicPr>
+            <a:picLocks noChangeAspect="1"/>
+          </p:cNvPicPr>
+          <p:nvPr/>
+        </p:nvPicPr>
+        <p:blipFill>
+          <a:blip r:embed="rId2"/>
+          <a:stretch>
+            <a:fillRect/>
+          </a:stretch>
+        </p:blipFill>
+        <p:spPr>
+          <a:xfrm>
+            <a:off x="838200" y="1690688"/>
+            <a:ext cx="4183966" cy="4485513"/>
+          </a:xfrm>
+          <a:prstGeom prst="rect">
+            <a:avLst/>
+          </a:prstGeom>
+        </p:spPr>
+      </p:pic>
+      <p:sp>
+        <p:nvSpPr>
+          <p:cNvPr id="5" name="TextBox 4">
+            <a:extLst>
+              <a:ext uri="{FF2B5EF4-FFF2-40B4-BE49-F238E27FC236}">
+                <a16:creationId xmlns:a16="http://schemas.microsoft.com/office/drawing/2014/main" id="{AA1C9BB5-398A-4D09-BC4A-9EC04CDC52D1}"/>
+              </a:ext>
+            </a:extLst>
+          </p:cNvPr>
+          <p:cNvSpPr txBox="1"/>
+          <p:nvPr/>
+        </p:nvSpPr>
+        <p:spPr>
+          <a:xfrm>
+            <a:off x="3584916" y="6075204"/>
+            <a:ext cx="5022167" cy="369332"/>
+          </a:xfrm>
+          <a:prstGeom prst="rect">
+            <a:avLst/>
+          </a:prstGeom>
+          <a:noFill/>
+        </p:spPr>
+        <p:txBody>
+          <a:bodyPr wrap="square" rtlCol="0">
+            <a:spAutoFit/>
+          </a:bodyPr>
+          <a:lstStyle/>
+          <a:p>
+            <a:r>
+              <a:rPr lang="en-US" dirty="0">
                 <a:hlinkClick r:id="rId3"/>
               </a:rPr>
-              <a:t>https://www.virtualbox.org/</a:t>
+              <a:t>https://blog.netapp.com/blogs/containers-vs-vms/</a:t>
             </a:r>
             <a:r>
               <a:rPr lang="en-US" dirty="0"/>
               <a:t> </a:t>
             </a:r>
-          </a:p>
-          <a:p>
-            <a:r>
-              <a:rPr lang="en-US" dirty="0"/>
-              <a:t>Microsoft Hyper-V included in Windows 10 Pro and Server 2016 </a:t>
-            </a:r>
-            <a:r>
-              <a:rPr lang="en-US" sz="2000" dirty="0">
-                <a:hlinkClick r:id="rId4"/>
-              </a:rPr>
-              <a:t>https://docs.microsoft.com/en-us/virtualization/hyper-v-on-windows/about/</a:t>
-            </a:r>
-            <a:r>
-              <a:rPr lang="en-US" sz="2000" dirty="0"/>
-              <a:t> </a:t>
-            </a:r>
-            <a:endParaRPr lang="en-US" dirty="0"/>
-          </a:p>
-          <a:p>
-            <a:r>
-              <a:rPr lang="en-US" dirty="0"/>
-              <a:t>Linux KVM </a:t>
-            </a:r>
-            <a:r>
-              <a:rPr lang="en-US" sz="2000" dirty="0">
-                <a:hlinkClick r:id="rId5"/>
-              </a:rPr>
-              <a:t>https://www.linux-kvm.org/page/Main_Page</a:t>
-            </a:r>
-            <a:r>
-              <a:rPr lang="en-US" sz="2000" dirty="0"/>
-              <a:t> </a:t>
-            </a:r>
-            <a:endParaRPr lang="en-US" dirty="0"/>
-          </a:p>
-          <a:p>
-            <a:r>
-              <a:rPr lang="en-US" dirty="0"/>
-              <a:t>Xen, or derivatives, used by many Cloud ISPs </a:t>
-            </a:r>
-            <a:r>
-              <a:rPr lang="en-US" sz="2000" dirty="0">
-                <a:hlinkClick r:id="rId6"/>
-              </a:rPr>
-              <a:t>https://www.xenproject.org/</a:t>
-            </a:r>
-            <a:r>
-              <a:rPr lang="en-US" sz="2000" dirty="0"/>
-              <a:t> </a:t>
-            </a:r>
-            <a:endParaRPr lang="en-US" dirty="0"/>
           </a:p>
         </p:txBody>
       </p:sp>
     </p:spTree>
     <p:extLst>
       <p:ext uri="{BB962C8B-B14F-4D97-AF65-F5344CB8AC3E}">
-        <p14:creationId xmlns:p14="http://schemas.microsoft.com/office/powerpoint/2010/main" val="1090417365"/>
+        <p14:creationId xmlns:p14="http://schemas.microsoft.com/office/powerpoint/2010/main" val="2992224997"/>
       </p:ext>
     </p:extLst>
   </p:cSld>
@@ -4195,6 +6121,320 @@
           <p:cNvPr id="2" name="Title 1">
             <a:extLst>
               <a:ext uri="{FF2B5EF4-FFF2-40B4-BE49-F238E27FC236}">
+                <a16:creationId xmlns:a16="http://schemas.microsoft.com/office/drawing/2014/main" id="{35393819-1893-4D76-937C-F513C4C0FCE2}"/>
+              </a:ext>
+            </a:extLst>
+          </p:cNvPr>
+          <p:cNvSpPr>
+            <a:spLocks noGrp="1"/>
+          </p:cNvSpPr>
+          <p:nvPr>
+            <p:ph type="title"/>
+          </p:nvPr>
+        </p:nvSpPr>
+        <p:spPr/>
+        <p:txBody>
+          <a:bodyPr/>
+          <a:lstStyle/>
+          <a:p>
+            <a:r>
+              <a:rPr lang="en-US" dirty="0"/>
+              <a:t>VM Advantages for our class</a:t>
+            </a:r>
+          </a:p>
+        </p:txBody>
+      </p:sp>
+      <p:sp>
+        <p:nvSpPr>
+          <p:cNvPr id="3" name="Content Placeholder 2">
+            <a:extLst>
+              <a:ext uri="{FF2B5EF4-FFF2-40B4-BE49-F238E27FC236}">
+                <a16:creationId xmlns:a16="http://schemas.microsoft.com/office/drawing/2014/main" id="{ABD327FA-C492-4D4D-AB36-C234D1D6F4E0}"/>
+              </a:ext>
+            </a:extLst>
+          </p:cNvPr>
+          <p:cNvSpPr>
+            <a:spLocks noGrp="1"/>
+          </p:cNvSpPr>
+          <p:nvPr>
+            <p:ph idx="1"/>
+          </p:nvPr>
+        </p:nvSpPr>
+        <p:spPr/>
+        <p:txBody>
+          <a:bodyPr/>
+          <a:lstStyle/>
+          <a:p>
+            <a:r>
+              <a:rPr lang="en-US" dirty="0"/>
+              <a:t>We can experiment with new OSs by building VMs; delete them when we are done</a:t>
+            </a:r>
+          </a:p>
+          <a:p>
+            <a:r>
+              <a:rPr lang="en-US" dirty="0"/>
+              <a:t>With enough disk, RAM, and CPU, we can build networks of VMs</a:t>
+            </a:r>
+          </a:p>
+          <a:p>
+            <a:pPr lvl="1"/>
+            <a:r>
+              <a:rPr lang="en-US" dirty="0"/>
+              <a:t>Practice with servers and workstations together</a:t>
+            </a:r>
+          </a:p>
+          <a:p>
+            <a:pPr lvl="1"/>
+            <a:r>
+              <a:rPr lang="en-US" dirty="0"/>
+              <a:t>Practice with scanning and attack tools; everything stays within our host computer and does not affect the network</a:t>
+            </a:r>
+          </a:p>
+          <a:p>
+            <a:r>
+              <a:rPr lang="en-US" dirty="0"/>
+              <a:t>Safe environment (mostly) to examine malware</a:t>
+            </a:r>
+          </a:p>
+          <a:p>
+            <a:pPr lvl="1"/>
+            <a:r>
+              <a:rPr lang="en-US" dirty="0"/>
+              <a:t>(mostly, because vulnerabilities (rare) may allow malware to escape from the VM and attack the host or other VMs)</a:t>
+            </a:r>
+          </a:p>
+          <a:p>
+            <a:r>
+              <a:rPr lang="en-US" dirty="0"/>
+              <a:t>Try other people’s VMs, like Cyber Patriot VMs</a:t>
+            </a:r>
+          </a:p>
+        </p:txBody>
+      </p:sp>
+    </p:spTree>
+    <p:extLst>
+      <p:ext uri="{BB962C8B-B14F-4D97-AF65-F5344CB8AC3E}">
+        <p14:creationId xmlns:p14="http://schemas.microsoft.com/office/powerpoint/2010/main" val="4109264052"/>
+      </p:ext>
+    </p:extLst>
+  </p:cSld>
+  <p:clrMapOvr>
+    <a:masterClrMapping/>
+  </p:clrMapOvr>
+</p:sld>
+</file>
+
+<file path=ppt/slides/slide8.xml><?xml version="1.0" encoding="utf-8"?>
+<p:sld xmlns:a="http://schemas.openxmlformats.org/drawingml/2006/main" xmlns:r="http://schemas.openxmlformats.org/officeDocument/2006/relationships" xmlns:p="http://schemas.openxmlformats.org/presentationml/2006/main">
+  <p:cSld>
+    <p:spTree>
+      <p:nvGrpSpPr>
+        <p:cNvPr id="1" name=""/>
+        <p:cNvGrpSpPr/>
+        <p:nvPr/>
+      </p:nvGrpSpPr>
+      <p:grpSpPr>
+        <a:xfrm>
+          <a:off x="0" y="0"/>
+          <a:ext cx="0" cy="0"/>
+          <a:chOff x="0" y="0"/>
+          <a:chExt cx="0" cy="0"/>
+        </a:xfrm>
+      </p:grpSpPr>
+      <p:sp>
+        <p:nvSpPr>
+          <p:cNvPr id="2" name="Title 1">
+            <a:extLst>
+              <a:ext uri="{FF2B5EF4-FFF2-40B4-BE49-F238E27FC236}">
+                <a16:creationId xmlns:a16="http://schemas.microsoft.com/office/drawing/2014/main" id="{48085CDA-F1B8-499F-8DED-52F4CB6D92F1}"/>
+              </a:ext>
+            </a:extLst>
+          </p:cNvPr>
+          <p:cNvSpPr>
+            <a:spLocks noGrp="1"/>
+          </p:cNvSpPr>
+          <p:nvPr>
+            <p:ph type="title"/>
+          </p:nvPr>
+        </p:nvSpPr>
+        <p:spPr/>
+        <p:txBody>
+          <a:bodyPr/>
+          <a:lstStyle/>
+          <a:p>
+            <a:r>
+              <a:rPr lang="en-US" dirty="0"/>
+              <a:t>Major VM Hypervisors</a:t>
+            </a:r>
+          </a:p>
+        </p:txBody>
+      </p:sp>
+      <p:sp>
+        <p:nvSpPr>
+          <p:cNvPr id="3" name="Content Placeholder 2">
+            <a:extLst>
+              <a:ext uri="{FF2B5EF4-FFF2-40B4-BE49-F238E27FC236}">
+                <a16:creationId xmlns:a16="http://schemas.microsoft.com/office/drawing/2014/main" id="{FCFB6932-8558-4C65-8016-AEDBA9D5E84B}"/>
+              </a:ext>
+            </a:extLst>
+          </p:cNvPr>
+          <p:cNvSpPr>
+            <a:spLocks noGrp="1"/>
+          </p:cNvSpPr>
+          <p:nvPr>
+            <p:ph idx="1"/>
+          </p:nvPr>
+        </p:nvSpPr>
+        <p:spPr/>
+        <p:txBody>
+          <a:bodyPr/>
+          <a:lstStyle/>
+          <a:p>
+            <a:r>
+              <a:rPr lang="en-US" dirty="0"/>
+              <a:t>VMware </a:t>
+            </a:r>
+            <a:r>
+              <a:rPr lang="en-US" sz="2000" dirty="0">
+                <a:hlinkClick r:id="rId2"/>
+              </a:rPr>
+              <a:t>https://www.vmware.com/</a:t>
+            </a:r>
+            <a:r>
+              <a:rPr lang="en-US" sz="2000" dirty="0"/>
+              <a:t>  </a:t>
+            </a:r>
+            <a:endParaRPr lang="en-US" dirty="0"/>
+          </a:p>
+          <a:p>
+            <a:pPr lvl="1"/>
+            <a:r>
+              <a:rPr lang="en-US" dirty="0"/>
+              <a:t>Workstation, Workstation Player, and Fusion (Mac) for our use</a:t>
+            </a:r>
+          </a:p>
+          <a:p>
+            <a:pPr lvl="1"/>
+            <a:r>
+              <a:rPr lang="en-US" dirty="0" err="1"/>
+              <a:t>ESXi</a:t>
+            </a:r>
+            <a:r>
+              <a:rPr lang="en-US" dirty="0"/>
+              <a:t> and vSphere for server establishments</a:t>
+            </a:r>
+          </a:p>
+          <a:p>
+            <a:pPr lvl="1"/>
+            <a:r>
+              <a:rPr lang="en-US" dirty="0"/>
+              <a:t>CyberPatriots uses VMware</a:t>
+            </a:r>
+          </a:p>
+          <a:p>
+            <a:r>
+              <a:rPr lang="en-US" dirty="0"/>
+              <a:t>Oracle VirtualBox </a:t>
+            </a:r>
+            <a:r>
+              <a:rPr lang="en-US" sz="2000" dirty="0">
+                <a:hlinkClick r:id="rId3"/>
+              </a:rPr>
+              <a:t>https://www.virtualbox.org/</a:t>
+            </a:r>
+            <a:r>
+              <a:rPr lang="en-US" dirty="0"/>
+              <a:t> </a:t>
+            </a:r>
+          </a:p>
+          <a:p>
+            <a:r>
+              <a:rPr lang="en-US" dirty="0"/>
+              <a:t>Microsoft Hyper-V included in Windows 10 Pro and Server 2016 </a:t>
+            </a:r>
+            <a:r>
+              <a:rPr lang="en-US" sz="2000" dirty="0">
+                <a:hlinkClick r:id="rId4"/>
+              </a:rPr>
+              <a:t>https://docs.microsoft.com/en-us/virtualization/hyper-v-on-windows/about/</a:t>
+            </a:r>
+            <a:r>
+              <a:rPr lang="en-US" sz="2000" dirty="0"/>
+              <a:t> </a:t>
+            </a:r>
+            <a:endParaRPr lang="en-US" dirty="0"/>
+          </a:p>
+          <a:p>
+            <a:r>
+              <a:rPr lang="en-US" dirty="0"/>
+              <a:t>Linux KVM </a:t>
+            </a:r>
+            <a:r>
+              <a:rPr lang="en-US" sz="2000" dirty="0">
+                <a:hlinkClick r:id="rId5"/>
+              </a:rPr>
+              <a:t>https://www.linux-kvm.org/page/Main_Page</a:t>
+            </a:r>
+            <a:r>
+              <a:rPr lang="en-US" sz="2000" dirty="0"/>
+              <a:t> </a:t>
+            </a:r>
+            <a:endParaRPr lang="en-US" dirty="0"/>
+          </a:p>
+          <a:p>
+            <a:r>
+              <a:rPr lang="en-US" dirty="0"/>
+              <a:t>Xen, or derivatives, used by many Cloud ISPs </a:t>
+            </a:r>
+            <a:r>
+              <a:rPr lang="en-US" sz="2000" dirty="0">
+                <a:hlinkClick r:id="rId6"/>
+              </a:rPr>
+              <a:t>https://www.xenproject.org/</a:t>
+            </a:r>
+            <a:r>
+              <a:rPr lang="en-US" sz="2000" dirty="0"/>
+              <a:t> </a:t>
+            </a:r>
+            <a:endParaRPr lang="en-US" dirty="0"/>
+          </a:p>
+        </p:txBody>
+      </p:sp>
+    </p:spTree>
+    <p:extLst>
+      <p:ext uri="{BB962C8B-B14F-4D97-AF65-F5344CB8AC3E}">
+        <p14:creationId xmlns:p14="http://schemas.microsoft.com/office/powerpoint/2010/main" val="1090417365"/>
+      </p:ext>
+    </p:extLst>
+  </p:cSld>
+  <p:clrMapOvr>
+    <a:masterClrMapping/>
+  </p:clrMapOvr>
+</p:sld>
+</file>
+
+<file path=ppt/slides/slide9.xml><?xml version="1.0" encoding="utf-8"?>
+<p:sld xmlns:a="http://schemas.openxmlformats.org/drawingml/2006/main" xmlns:r="http://schemas.openxmlformats.org/officeDocument/2006/relationships" xmlns:p="http://schemas.openxmlformats.org/presentationml/2006/main">
+  <p:cSld>
+    <p:spTree>
+      <p:nvGrpSpPr>
+        <p:cNvPr id="1" name=""/>
+        <p:cNvGrpSpPr/>
+        <p:nvPr/>
+      </p:nvGrpSpPr>
+      <p:grpSpPr>
+        <a:xfrm>
+          <a:off x="0" y="0"/>
+          <a:ext cx="0" cy="0"/>
+          <a:chOff x="0" y="0"/>
+          <a:chExt cx="0" cy="0"/>
+        </a:xfrm>
+      </p:grpSpPr>
+      <p:sp>
+        <p:nvSpPr>
+          <p:cNvPr id="2" name="Title 1">
+            <a:extLst>
+              <a:ext uri="{FF2B5EF4-FFF2-40B4-BE49-F238E27FC236}">
                 <a16:creationId xmlns:a16="http://schemas.microsoft.com/office/drawing/2014/main" id="{FF912C87-815B-48E6-93EB-0AF68234337C}"/>
               </a:ext>
             </a:extLst>
@@ -4242,7 +6482,7 @@
         </p:spPr>
         <p:txBody>
           <a:bodyPr>
-            <a:normAutofit lnSpcReduction="10000"/>
+            <a:normAutofit fontScale="92500" lnSpcReduction="10000"/>
           </a:bodyPr>
           <a:lstStyle/>
           <a:p>
@@ -4282,6 +6522,17 @@
               <a:rPr lang="en-US" dirty="0"/>
               <a:t>Apps need to be based on the same OS</a:t>
             </a:r>
+          </a:p>
+          <a:p>
+            <a:r>
+              <a:rPr lang="en-US" dirty="0"/>
+              <a:t>Docker and Kubernetes are popular </a:t>
+            </a:r>
+            <a:r>
+              <a:rPr lang="en-US"/>
+              <a:t>container systems</a:t>
+            </a:r>
+            <a:endParaRPr lang="en-US" dirty="0"/>
           </a:p>
         </p:txBody>
       </p:sp>
@@ -4329,7 +6580,7 @@
         </p:nvSpPr>
         <p:spPr>
           <a:xfrm>
-            <a:off x="1350498" y="5880295"/>
+            <a:off x="472125" y="5807631"/>
             <a:ext cx="5022167" cy="369332"/>
           </a:xfrm>
           <a:prstGeom prst="rect">
